--- a/solid.pptx
+++ b/solid.pptx
@@ -18,6 +18,12 @@
     <p:sldId id="266" r:id="rId12"/>
     <p:sldId id="267" r:id="rId13"/>
     <p:sldId id="268" r:id="rId14"/>
+    <p:sldId id="269" r:id="rId15"/>
+    <p:sldId id="270" r:id="rId16"/>
+    <p:sldId id="271" r:id="rId17"/>
+    <p:sldId id="272" r:id="rId18"/>
+    <p:sldId id="273" r:id="rId19"/>
+    <p:sldId id="274" r:id="rId20"/>
   </p:sldIdLst>
   <p:sldSz cx="12192000" cy="6858000"/>
   <p:notesSz cx="6858000" cy="9144000"/>
@@ -4827,25 +4833,7 @@
                 <a:ea typeface="Calibri" panose="020F0502020204030204" pitchFamily="34" charset="0"/>
                 <a:cs typeface="Calibri" panose="020F0502020204030204" pitchFamily="34" charset="0"/>
               </a:rPr>
-              <a:t> gibi davranamıyorsa </a:t>
-            </a:r>
-            <a:r>
-              <a:rPr lang="tr-TR" sz="1800" kern="100" dirty="0" err="1">
-                <a:effectLst/>
-                <a:latin typeface="Calibri" panose="020F0502020204030204" pitchFamily="34" charset="0"/>
-                <a:ea typeface="Calibri" panose="020F0502020204030204" pitchFamily="34" charset="0"/>
-                <a:cs typeface="Calibri" panose="020F0502020204030204" pitchFamily="34" charset="0"/>
-              </a:rPr>
-              <a:t>burda</a:t>
-            </a:r>
-            <a:r>
-              <a:rPr lang="tr-TR" sz="1800" kern="100" dirty="0">
-                <a:effectLst/>
-                <a:latin typeface="Calibri" panose="020F0502020204030204" pitchFamily="34" charset="0"/>
-                <a:ea typeface="Calibri" panose="020F0502020204030204" pitchFamily="34" charset="0"/>
-                <a:cs typeface="Calibri" panose="020F0502020204030204" pitchFamily="34" charset="0"/>
-              </a:rPr>
-              <a:t> bir problem vardır.</a:t>
+              <a:t> gibi davranmalı.</a:t>
             </a:r>
           </a:p>
           <a:p>
@@ -4864,7 +4852,7 @@
                 <a:ea typeface="Calibri" panose="020F0502020204030204" pitchFamily="34" charset="0"/>
                 <a:cs typeface="Calibri" panose="020F0502020204030204" pitchFamily="34" charset="0"/>
               </a:rPr>
-              <a:t>BMW SMS göndermek istemiyorsa fakat Mercedes göndermek istiyorsa (ki bu fonksiyon </a:t>
+              <a:t>BMW seyahat bilgilerini, SMS olarak sürücüye göndermek istemiyorsa fakat Mercedes göndermek istiyorsa (ki bu fonksiyon </a:t>
             </a:r>
             <a:r>
               <a:rPr lang="tr-TR" sz="1800" kern="100" dirty="0" err="1">
@@ -4912,6 +4900,3048 @@
     <p:extLst>
       <p:ext uri="{BB962C8B-B14F-4D97-AF65-F5344CB8AC3E}">
         <p14:creationId xmlns:p14="http://schemas.microsoft.com/office/powerpoint/2010/main" val="4177857162"/>
+      </p:ext>
+    </p:extLst>
+  </p:cSld>
+  <p:clrMapOvr>
+    <a:masterClrMapping/>
+  </p:clrMapOvr>
+</p:sld>
+</file>
+
+<file path=ppt/slides/slide14.xml><?xml version="1.0" encoding="utf-8"?>
+<p:sld xmlns:a="http://schemas.openxmlformats.org/drawingml/2006/main" xmlns:r="http://schemas.openxmlformats.org/officeDocument/2006/relationships" xmlns:p="http://schemas.openxmlformats.org/presentationml/2006/main">
+  <p:cSld>
+    <p:spTree>
+      <p:nvGrpSpPr>
+        <p:cNvPr id="1" name=""/>
+        <p:cNvGrpSpPr/>
+        <p:nvPr/>
+      </p:nvGrpSpPr>
+      <p:grpSpPr>
+        <a:xfrm>
+          <a:off x="0" y="0"/>
+          <a:ext cx="0" cy="0"/>
+          <a:chOff x="0" y="0"/>
+          <a:chExt cx="0" cy="0"/>
+        </a:xfrm>
+      </p:grpSpPr>
+      <p:sp>
+        <p:nvSpPr>
+          <p:cNvPr id="4" name="Dikdörtgen 3">
+            <a:extLst>
+              <a:ext uri="{FF2B5EF4-FFF2-40B4-BE49-F238E27FC236}">
+                <a16:creationId xmlns:a16="http://schemas.microsoft.com/office/drawing/2014/main" id="{9B8B1EC7-BFE1-7DFB-28A0-DE23965FB8CC}"/>
+              </a:ext>
+            </a:extLst>
+          </p:cNvPr>
+          <p:cNvSpPr/>
+          <p:nvPr/>
+        </p:nvSpPr>
+        <p:spPr>
+          <a:xfrm>
+            <a:off x="4249444" y="1376778"/>
+            <a:ext cx="3551068" cy="1349405"/>
+          </a:xfrm>
+          <a:prstGeom prst="rect">
+            <a:avLst/>
+          </a:prstGeom>
+        </p:spPr>
+        <p:style>
+          <a:lnRef idx="2">
+            <a:schemeClr val="accent1">
+              <a:shade val="15000"/>
+            </a:schemeClr>
+          </a:lnRef>
+          <a:fillRef idx="1">
+            <a:schemeClr val="accent1"/>
+          </a:fillRef>
+          <a:effectRef idx="0">
+            <a:schemeClr val="accent1"/>
+          </a:effectRef>
+          <a:fontRef idx="minor">
+            <a:schemeClr val="lt1"/>
+          </a:fontRef>
+        </p:style>
+        <p:txBody>
+          <a:bodyPr rtlCol="0" anchor="ctr"/>
+          <a:lstStyle/>
+          <a:p>
+            <a:pPr algn="ctr"/>
+            <a:endParaRPr lang="tr-TR"/>
+          </a:p>
+        </p:txBody>
+      </p:sp>
+      <p:sp>
+        <p:nvSpPr>
+          <p:cNvPr id="5" name="Dikdörtgen 4">
+            <a:extLst>
+              <a:ext uri="{FF2B5EF4-FFF2-40B4-BE49-F238E27FC236}">
+                <a16:creationId xmlns:a16="http://schemas.microsoft.com/office/drawing/2014/main" id="{5209DB18-9F1C-6ECB-D787-E1F9D0796302}"/>
+              </a:ext>
+            </a:extLst>
+          </p:cNvPr>
+          <p:cNvSpPr/>
+          <p:nvPr/>
+        </p:nvSpPr>
+        <p:spPr>
+          <a:xfrm>
+            <a:off x="1312414" y="3922618"/>
+            <a:ext cx="3551068" cy="1349405"/>
+          </a:xfrm>
+          <a:prstGeom prst="rect">
+            <a:avLst/>
+          </a:prstGeom>
+        </p:spPr>
+        <p:style>
+          <a:lnRef idx="2">
+            <a:schemeClr val="accent1">
+              <a:shade val="15000"/>
+            </a:schemeClr>
+          </a:lnRef>
+          <a:fillRef idx="1">
+            <a:schemeClr val="accent1"/>
+          </a:fillRef>
+          <a:effectRef idx="0">
+            <a:schemeClr val="accent1"/>
+          </a:effectRef>
+          <a:fontRef idx="minor">
+            <a:schemeClr val="lt1"/>
+          </a:fontRef>
+        </p:style>
+        <p:txBody>
+          <a:bodyPr rtlCol="0" anchor="ctr"/>
+          <a:lstStyle/>
+          <a:p>
+            <a:pPr algn="ctr"/>
+            <a:endParaRPr lang="tr-TR"/>
+          </a:p>
+        </p:txBody>
+      </p:sp>
+      <p:sp>
+        <p:nvSpPr>
+          <p:cNvPr id="6" name="Dikdörtgen 5">
+            <a:extLst>
+              <a:ext uri="{FF2B5EF4-FFF2-40B4-BE49-F238E27FC236}">
+                <a16:creationId xmlns:a16="http://schemas.microsoft.com/office/drawing/2014/main" id="{4D10163E-1578-636A-67EC-B7DBDAD96CE1}"/>
+              </a:ext>
+            </a:extLst>
+          </p:cNvPr>
+          <p:cNvSpPr/>
+          <p:nvPr/>
+        </p:nvSpPr>
+        <p:spPr>
+          <a:xfrm>
+            <a:off x="7047388" y="3954264"/>
+            <a:ext cx="3551068" cy="1349405"/>
+          </a:xfrm>
+          <a:prstGeom prst="rect">
+            <a:avLst/>
+          </a:prstGeom>
+        </p:spPr>
+        <p:style>
+          <a:lnRef idx="2">
+            <a:schemeClr val="accent1">
+              <a:shade val="15000"/>
+            </a:schemeClr>
+          </a:lnRef>
+          <a:fillRef idx="1">
+            <a:schemeClr val="accent1"/>
+          </a:fillRef>
+          <a:effectRef idx="0">
+            <a:schemeClr val="accent1"/>
+          </a:effectRef>
+          <a:fontRef idx="minor">
+            <a:schemeClr val="lt1"/>
+          </a:fontRef>
+        </p:style>
+        <p:txBody>
+          <a:bodyPr rtlCol="0" anchor="ctr"/>
+          <a:lstStyle/>
+          <a:p>
+            <a:pPr algn="ctr"/>
+            <a:endParaRPr lang="tr-TR"/>
+          </a:p>
+        </p:txBody>
+      </p:sp>
+      <p:sp>
+        <p:nvSpPr>
+          <p:cNvPr id="7" name="Metin kutusu 6">
+            <a:extLst>
+              <a:ext uri="{FF2B5EF4-FFF2-40B4-BE49-F238E27FC236}">
+                <a16:creationId xmlns:a16="http://schemas.microsoft.com/office/drawing/2014/main" id="{99B5CB3F-7958-3433-D92D-E7753D387312}"/>
+              </a:ext>
+            </a:extLst>
+          </p:cNvPr>
+          <p:cNvSpPr txBox="1"/>
+          <p:nvPr/>
+        </p:nvSpPr>
+        <p:spPr>
+          <a:xfrm>
+            <a:off x="4429957" y="1554331"/>
+            <a:ext cx="3195961" cy="923330"/>
+          </a:xfrm>
+          <a:prstGeom prst="rect">
+            <a:avLst/>
+          </a:prstGeom>
+          <a:noFill/>
+        </p:spPr>
+        <p:txBody>
+          <a:bodyPr wrap="square" rtlCol="0">
+            <a:spAutoFit/>
+          </a:bodyPr>
+          <a:lstStyle/>
+          <a:p>
+            <a:pPr algn="ctr"/>
+            <a:r>
+              <a:rPr lang="tr-TR" dirty="0" err="1">
+                <a:solidFill>
+                  <a:schemeClr val="bg1"/>
+                </a:solidFill>
+              </a:rPr>
+              <a:t>BaseCar</a:t>
+            </a:r>
+            <a:endParaRPr lang="tr-TR" dirty="0">
+              <a:solidFill>
+                <a:schemeClr val="bg1"/>
+              </a:solidFill>
+            </a:endParaRPr>
+          </a:p>
+          <a:p>
+            <a:pPr algn="ctr"/>
+            <a:r>
+              <a:rPr lang="tr-TR" dirty="0">
+                <a:solidFill>
+                  <a:schemeClr val="bg1"/>
+                </a:solidFill>
+              </a:rPr>
+              <a:t>------------------------------</a:t>
+            </a:r>
+          </a:p>
+          <a:p>
+            <a:pPr algn="ctr"/>
+            <a:r>
+              <a:rPr lang="tr-TR" dirty="0" err="1">
+                <a:solidFill>
+                  <a:schemeClr val="bg1"/>
+                </a:solidFill>
+              </a:rPr>
+              <a:t>sendSMS</a:t>
+            </a:r>
+            <a:r>
+              <a:rPr lang="tr-TR" dirty="0">
+                <a:solidFill>
+                  <a:schemeClr val="bg1"/>
+                </a:solidFill>
+              </a:rPr>
+              <a:t>()</a:t>
+            </a:r>
+          </a:p>
+        </p:txBody>
+      </p:sp>
+      <p:sp>
+        <p:nvSpPr>
+          <p:cNvPr id="8" name="Metin kutusu 7">
+            <a:extLst>
+              <a:ext uri="{FF2B5EF4-FFF2-40B4-BE49-F238E27FC236}">
+                <a16:creationId xmlns:a16="http://schemas.microsoft.com/office/drawing/2014/main" id="{C0E83402-D5F2-5C69-2F0B-8995326C4BF7}"/>
+              </a:ext>
+            </a:extLst>
+          </p:cNvPr>
+          <p:cNvSpPr txBox="1"/>
+          <p:nvPr/>
+        </p:nvSpPr>
+        <p:spPr>
+          <a:xfrm>
+            <a:off x="1489967" y="4227988"/>
+            <a:ext cx="3195961" cy="369332"/>
+          </a:xfrm>
+          <a:prstGeom prst="rect">
+            <a:avLst/>
+          </a:prstGeom>
+          <a:noFill/>
+        </p:spPr>
+        <p:txBody>
+          <a:bodyPr wrap="square" rtlCol="0">
+            <a:spAutoFit/>
+          </a:bodyPr>
+          <a:lstStyle/>
+          <a:p>
+            <a:pPr algn="ctr"/>
+            <a:r>
+              <a:rPr lang="tr-TR" dirty="0">
+                <a:solidFill>
+                  <a:schemeClr val="bg1"/>
+                </a:solidFill>
+              </a:rPr>
+              <a:t>Mercedes</a:t>
+            </a:r>
+          </a:p>
+        </p:txBody>
+      </p:sp>
+      <p:sp>
+        <p:nvSpPr>
+          <p:cNvPr id="9" name="Metin kutusu 8">
+            <a:extLst>
+              <a:ext uri="{FF2B5EF4-FFF2-40B4-BE49-F238E27FC236}">
+                <a16:creationId xmlns:a16="http://schemas.microsoft.com/office/drawing/2014/main" id="{4744ADEC-99C6-92F9-93E7-694F157A765F}"/>
+              </a:ext>
+            </a:extLst>
+          </p:cNvPr>
+          <p:cNvSpPr txBox="1"/>
+          <p:nvPr/>
+        </p:nvSpPr>
+        <p:spPr>
+          <a:xfrm>
+            <a:off x="7224941" y="4227988"/>
+            <a:ext cx="3195961" cy="369332"/>
+          </a:xfrm>
+          <a:prstGeom prst="rect">
+            <a:avLst/>
+          </a:prstGeom>
+          <a:noFill/>
+        </p:spPr>
+        <p:txBody>
+          <a:bodyPr wrap="square" rtlCol="0">
+            <a:spAutoFit/>
+          </a:bodyPr>
+          <a:lstStyle/>
+          <a:p>
+            <a:pPr algn="ctr"/>
+            <a:r>
+              <a:rPr lang="tr-TR" dirty="0">
+                <a:solidFill>
+                  <a:schemeClr val="bg1"/>
+                </a:solidFill>
+              </a:rPr>
+              <a:t>BMW</a:t>
+            </a:r>
+          </a:p>
+        </p:txBody>
+      </p:sp>
+      <p:cxnSp>
+        <p:nvCxnSpPr>
+          <p:cNvPr id="11" name="Düz Ok Bağlayıcısı 10">
+            <a:extLst>
+              <a:ext uri="{FF2B5EF4-FFF2-40B4-BE49-F238E27FC236}">
+                <a16:creationId xmlns:a16="http://schemas.microsoft.com/office/drawing/2014/main" id="{8CEDBEB7-784D-3679-4758-0C9DB7DCA4D6}"/>
+              </a:ext>
+            </a:extLst>
+          </p:cNvPr>
+          <p:cNvCxnSpPr/>
+          <p:nvPr/>
+        </p:nvCxnSpPr>
+        <p:spPr>
+          <a:xfrm flipV="1">
+            <a:off x="3708647" y="2935382"/>
+            <a:ext cx="1075679" cy="878837"/>
+          </a:xfrm>
+          <a:prstGeom prst="straightConnector1">
+            <a:avLst/>
+          </a:prstGeom>
+          <a:ln>
+            <a:tailEnd type="triangle"/>
+          </a:ln>
+        </p:spPr>
+        <p:style>
+          <a:lnRef idx="1">
+            <a:schemeClr val="accent1"/>
+          </a:lnRef>
+          <a:fillRef idx="0">
+            <a:schemeClr val="accent1"/>
+          </a:fillRef>
+          <a:effectRef idx="0">
+            <a:schemeClr val="accent1"/>
+          </a:effectRef>
+          <a:fontRef idx="minor">
+            <a:schemeClr val="tx1"/>
+          </a:fontRef>
+        </p:style>
+      </p:cxnSp>
+      <p:cxnSp>
+        <p:nvCxnSpPr>
+          <p:cNvPr id="13" name="Düz Ok Bağlayıcısı 12">
+            <a:extLst>
+              <a:ext uri="{FF2B5EF4-FFF2-40B4-BE49-F238E27FC236}">
+                <a16:creationId xmlns:a16="http://schemas.microsoft.com/office/drawing/2014/main" id="{1527E1CF-4D61-EB3C-E4C6-5918CD50D0A1}"/>
+              </a:ext>
+            </a:extLst>
+          </p:cNvPr>
+          <p:cNvCxnSpPr/>
+          <p:nvPr/>
+        </p:nvCxnSpPr>
+        <p:spPr>
+          <a:xfrm flipH="1" flipV="1">
+            <a:off x="7407676" y="2935382"/>
+            <a:ext cx="1464815" cy="807816"/>
+          </a:xfrm>
+          <a:prstGeom prst="straightConnector1">
+            <a:avLst/>
+          </a:prstGeom>
+          <a:ln>
+            <a:tailEnd type="triangle"/>
+          </a:ln>
+        </p:spPr>
+        <p:style>
+          <a:lnRef idx="1">
+            <a:schemeClr val="accent1"/>
+          </a:lnRef>
+          <a:fillRef idx="0">
+            <a:schemeClr val="accent1"/>
+          </a:fillRef>
+          <a:effectRef idx="0">
+            <a:schemeClr val="accent1"/>
+          </a:effectRef>
+          <a:fontRef idx="minor">
+            <a:schemeClr val="tx1"/>
+          </a:fontRef>
+        </p:style>
+      </p:cxnSp>
+      <p:sp>
+        <p:nvSpPr>
+          <p:cNvPr id="14" name="Metin kutusu 13">
+            <a:extLst>
+              <a:ext uri="{FF2B5EF4-FFF2-40B4-BE49-F238E27FC236}">
+                <a16:creationId xmlns:a16="http://schemas.microsoft.com/office/drawing/2014/main" id="{30C6DC2D-AADE-1F95-EE98-2BFF00CAE04C}"/>
+              </a:ext>
+            </a:extLst>
+          </p:cNvPr>
+          <p:cNvSpPr txBox="1"/>
+          <p:nvPr/>
+        </p:nvSpPr>
+        <p:spPr>
+          <a:xfrm>
+            <a:off x="2900039" y="5701683"/>
+            <a:ext cx="5972452" cy="646331"/>
+          </a:xfrm>
+          <a:prstGeom prst="rect">
+            <a:avLst/>
+          </a:prstGeom>
+          <a:noFill/>
+        </p:spPr>
+        <p:txBody>
+          <a:bodyPr wrap="square" rtlCol="0">
+            <a:spAutoFit/>
+          </a:bodyPr>
+          <a:lstStyle/>
+          <a:p>
+            <a:pPr algn="ctr"/>
+            <a:r>
+              <a:rPr lang="tr-TR" dirty="0">
+                <a:solidFill>
+                  <a:schemeClr val="tx1">
+                    <a:lumMod val="85000"/>
+                    <a:lumOff val="15000"/>
+                  </a:schemeClr>
+                </a:solidFill>
+              </a:rPr>
+              <a:t>BMW, sürücüyü bilgilendirme mesajı özelliğini kaldırdı..</a:t>
+            </a:r>
+          </a:p>
+        </p:txBody>
+      </p:sp>
+    </p:spTree>
+    <p:extLst>
+      <p:ext uri="{BB962C8B-B14F-4D97-AF65-F5344CB8AC3E}">
+        <p14:creationId xmlns:p14="http://schemas.microsoft.com/office/powerpoint/2010/main" val="626197731"/>
+      </p:ext>
+    </p:extLst>
+  </p:cSld>
+  <p:clrMapOvr>
+    <a:masterClrMapping/>
+  </p:clrMapOvr>
+</p:sld>
+</file>
+
+<file path=ppt/slides/slide15.xml><?xml version="1.0" encoding="utf-8"?>
+<p:sld xmlns:a="http://schemas.openxmlformats.org/drawingml/2006/main" xmlns:r="http://schemas.openxmlformats.org/officeDocument/2006/relationships" xmlns:p="http://schemas.openxmlformats.org/presentationml/2006/main">
+  <p:cSld>
+    <p:spTree>
+      <p:nvGrpSpPr>
+        <p:cNvPr id="1" name=""/>
+        <p:cNvGrpSpPr/>
+        <p:nvPr/>
+      </p:nvGrpSpPr>
+      <p:grpSpPr>
+        <a:xfrm>
+          <a:off x="0" y="0"/>
+          <a:ext cx="0" cy="0"/>
+          <a:chOff x="0" y="0"/>
+          <a:chExt cx="0" cy="0"/>
+        </a:xfrm>
+      </p:grpSpPr>
+      <p:sp>
+        <p:nvSpPr>
+          <p:cNvPr id="5" name="Dikdörtgen 4">
+            <a:extLst>
+              <a:ext uri="{FF2B5EF4-FFF2-40B4-BE49-F238E27FC236}">
+                <a16:creationId xmlns:a16="http://schemas.microsoft.com/office/drawing/2014/main" id="{BD2D9DFA-02AC-A6DE-2425-77A8076B7B6A}"/>
+              </a:ext>
+            </a:extLst>
+          </p:cNvPr>
+          <p:cNvSpPr/>
+          <p:nvPr/>
+        </p:nvSpPr>
+        <p:spPr>
+          <a:xfrm>
+            <a:off x="3672395" y="897384"/>
+            <a:ext cx="3551068" cy="1349405"/>
+          </a:xfrm>
+          <a:prstGeom prst="rect">
+            <a:avLst/>
+          </a:prstGeom>
+        </p:spPr>
+        <p:style>
+          <a:lnRef idx="2">
+            <a:schemeClr val="accent1">
+              <a:shade val="15000"/>
+            </a:schemeClr>
+          </a:lnRef>
+          <a:fillRef idx="1">
+            <a:schemeClr val="accent1"/>
+          </a:fillRef>
+          <a:effectRef idx="0">
+            <a:schemeClr val="accent1"/>
+          </a:effectRef>
+          <a:fontRef idx="minor">
+            <a:schemeClr val="lt1"/>
+          </a:fontRef>
+        </p:style>
+        <p:txBody>
+          <a:bodyPr rtlCol="0" anchor="ctr"/>
+          <a:lstStyle/>
+          <a:p>
+            <a:pPr algn="ctr"/>
+            <a:endParaRPr lang="tr-TR"/>
+          </a:p>
+        </p:txBody>
+      </p:sp>
+      <p:sp>
+        <p:nvSpPr>
+          <p:cNvPr id="6" name="Dikdörtgen 5">
+            <a:extLst>
+              <a:ext uri="{FF2B5EF4-FFF2-40B4-BE49-F238E27FC236}">
+                <a16:creationId xmlns:a16="http://schemas.microsoft.com/office/drawing/2014/main" id="{BF979EEE-0DC9-7F98-174E-53104D29CA00}"/>
+              </a:ext>
+            </a:extLst>
+          </p:cNvPr>
+          <p:cNvSpPr/>
+          <p:nvPr/>
+        </p:nvSpPr>
+        <p:spPr>
+          <a:xfrm>
+            <a:off x="735365" y="3443224"/>
+            <a:ext cx="3551068" cy="1349405"/>
+          </a:xfrm>
+          <a:prstGeom prst="rect">
+            <a:avLst/>
+          </a:prstGeom>
+        </p:spPr>
+        <p:style>
+          <a:lnRef idx="2">
+            <a:schemeClr val="accent1">
+              <a:shade val="15000"/>
+            </a:schemeClr>
+          </a:lnRef>
+          <a:fillRef idx="1">
+            <a:schemeClr val="accent1"/>
+          </a:fillRef>
+          <a:effectRef idx="0">
+            <a:schemeClr val="accent1"/>
+          </a:effectRef>
+          <a:fontRef idx="minor">
+            <a:schemeClr val="lt1"/>
+          </a:fontRef>
+        </p:style>
+        <p:txBody>
+          <a:bodyPr rtlCol="0" anchor="ctr"/>
+          <a:lstStyle/>
+          <a:p>
+            <a:pPr algn="ctr"/>
+            <a:endParaRPr lang="tr-TR"/>
+          </a:p>
+        </p:txBody>
+      </p:sp>
+      <p:sp>
+        <p:nvSpPr>
+          <p:cNvPr id="7" name="Dikdörtgen 6">
+            <a:extLst>
+              <a:ext uri="{FF2B5EF4-FFF2-40B4-BE49-F238E27FC236}">
+                <a16:creationId xmlns:a16="http://schemas.microsoft.com/office/drawing/2014/main" id="{102EB53F-25AC-0CBD-DE25-6B847F00FF4F}"/>
+              </a:ext>
+            </a:extLst>
+          </p:cNvPr>
+          <p:cNvSpPr/>
+          <p:nvPr/>
+        </p:nvSpPr>
+        <p:spPr>
+          <a:xfrm>
+            <a:off x="6470339" y="3474870"/>
+            <a:ext cx="3551068" cy="1349405"/>
+          </a:xfrm>
+          <a:prstGeom prst="rect">
+            <a:avLst/>
+          </a:prstGeom>
+        </p:spPr>
+        <p:style>
+          <a:lnRef idx="2">
+            <a:schemeClr val="accent1">
+              <a:shade val="15000"/>
+            </a:schemeClr>
+          </a:lnRef>
+          <a:fillRef idx="1">
+            <a:schemeClr val="accent1"/>
+          </a:fillRef>
+          <a:effectRef idx="0">
+            <a:schemeClr val="accent1"/>
+          </a:effectRef>
+          <a:fontRef idx="minor">
+            <a:schemeClr val="lt1"/>
+          </a:fontRef>
+        </p:style>
+        <p:txBody>
+          <a:bodyPr rtlCol="0" anchor="ctr"/>
+          <a:lstStyle/>
+          <a:p>
+            <a:pPr algn="ctr"/>
+            <a:endParaRPr lang="tr-TR"/>
+          </a:p>
+        </p:txBody>
+      </p:sp>
+      <p:sp>
+        <p:nvSpPr>
+          <p:cNvPr id="8" name="Metin kutusu 7">
+            <a:extLst>
+              <a:ext uri="{FF2B5EF4-FFF2-40B4-BE49-F238E27FC236}">
+                <a16:creationId xmlns:a16="http://schemas.microsoft.com/office/drawing/2014/main" id="{11DBA8EA-D238-4E3D-020D-3BEC6200E42A}"/>
+              </a:ext>
+            </a:extLst>
+          </p:cNvPr>
+          <p:cNvSpPr txBox="1"/>
+          <p:nvPr/>
+        </p:nvSpPr>
+        <p:spPr>
+          <a:xfrm>
+            <a:off x="3849948" y="1287950"/>
+            <a:ext cx="3195961" cy="369332"/>
+          </a:xfrm>
+          <a:prstGeom prst="rect">
+            <a:avLst/>
+          </a:prstGeom>
+          <a:noFill/>
+        </p:spPr>
+        <p:txBody>
+          <a:bodyPr wrap="square" rtlCol="0">
+            <a:spAutoFit/>
+          </a:bodyPr>
+          <a:lstStyle/>
+          <a:p>
+            <a:pPr algn="ctr"/>
+            <a:r>
+              <a:rPr lang="tr-TR" dirty="0" err="1">
+                <a:solidFill>
+                  <a:schemeClr val="bg1"/>
+                </a:solidFill>
+              </a:rPr>
+              <a:t>BaseCar</a:t>
+            </a:r>
+            <a:endParaRPr lang="tr-TR" dirty="0">
+              <a:solidFill>
+                <a:schemeClr val="bg1"/>
+              </a:solidFill>
+            </a:endParaRPr>
+          </a:p>
+        </p:txBody>
+      </p:sp>
+      <p:sp>
+        <p:nvSpPr>
+          <p:cNvPr id="9" name="Metin kutusu 8">
+            <a:extLst>
+              <a:ext uri="{FF2B5EF4-FFF2-40B4-BE49-F238E27FC236}">
+                <a16:creationId xmlns:a16="http://schemas.microsoft.com/office/drawing/2014/main" id="{AE9A98CB-F2C8-1E7E-D510-7AC5B85BE63D}"/>
+              </a:ext>
+            </a:extLst>
+          </p:cNvPr>
+          <p:cNvSpPr txBox="1"/>
+          <p:nvPr/>
+        </p:nvSpPr>
+        <p:spPr>
+          <a:xfrm>
+            <a:off x="912918" y="3607930"/>
+            <a:ext cx="3195961" cy="923330"/>
+          </a:xfrm>
+          <a:prstGeom prst="rect">
+            <a:avLst/>
+          </a:prstGeom>
+          <a:noFill/>
+        </p:spPr>
+        <p:txBody>
+          <a:bodyPr wrap="square" rtlCol="0">
+            <a:spAutoFit/>
+          </a:bodyPr>
+          <a:lstStyle/>
+          <a:p>
+            <a:pPr algn="ctr"/>
+            <a:r>
+              <a:rPr lang="tr-TR" dirty="0">
+                <a:solidFill>
+                  <a:schemeClr val="bg1"/>
+                </a:solidFill>
+              </a:rPr>
+              <a:t>Mercedes</a:t>
+            </a:r>
+          </a:p>
+          <a:p>
+            <a:pPr algn="ctr"/>
+            <a:r>
+              <a:rPr lang="tr-TR" dirty="0">
+                <a:solidFill>
+                  <a:schemeClr val="bg1"/>
+                </a:solidFill>
+              </a:rPr>
+              <a:t>--------------------------------</a:t>
+            </a:r>
+          </a:p>
+          <a:p>
+            <a:pPr algn="ctr"/>
+            <a:r>
+              <a:rPr lang="tr-TR" dirty="0" err="1">
+                <a:solidFill>
+                  <a:schemeClr val="bg1"/>
+                </a:solidFill>
+              </a:rPr>
+              <a:t>void</a:t>
+            </a:r>
+            <a:r>
+              <a:rPr lang="tr-TR" dirty="0">
+                <a:solidFill>
+                  <a:schemeClr val="bg1"/>
+                </a:solidFill>
+              </a:rPr>
+              <a:t> </a:t>
+            </a:r>
+            <a:r>
+              <a:rPr lang="tr-TR" dirty="0" err="1">
+                <a:solidFill>
+                  <a:schemeClr val="bg1"/>
+                </a:solidFill>
+              </a:rPr>
+              <a:t>sendSMS</a:t>
+            </a:r>
+            <a:r>
+              <a:rPr lang="tr-TR" dirty="0">
+                <a:solidFill>
+                  <a:schemeClr val="bg1"/>
+                </a:solidFill>
+              </a:rPr>
+              <a:t>()</a:t>
+            </a:r>
+          </a:p>
+        </p:txBody>
+      </p:sp>
+      <p:sp>
+        <p:nvSpPr>
+          <p:cNvPr id="10" name="Metin kutusu 9">
+            <a:extLst>
+              <a:ext uri="{FF2B5EF4-FFF2-40B4-BE49-F238E27FC236}">
+                <a16:creationId xmlns:a16="http://schemas.microsoft.com/office/drawing/2014/main" id="{EA43BD70-6393-D06D-EDD6-E6F81C72C535}"/>
+              </a:ext>
+            </a:extLst>
+          </p:cNvPr>
+          <p:cNvSpPr txBox="1"/>
+          <p:nvPr/>
+        </p:nvSpPr>
+        <p:spPr>
+          <a:xfrm>
+            <a:off x="6647892" y="3748594"/>
+            <a:ext cx="3195961" cy="369332"/>
+          </a:xfrm>
+          <a:prstGeom prst="rect">
+            <a:avLst/>
+          </a:prstGeom>
+          <a:noFill/>
+        </p:spPr>
+        <p:txBody>
+          <a:bodyPr wrap="square" rtlCol="0">
+            <a:spAutoFit/>
+          </a:bodyPr>
+          <a:lstStyle/>
+          <a:p>
+            <a:pPr algn="ctr"/>
+            <a:r>
+              <a:rPr lang="tr-TR" dirty="0">
+                <a:solidFill>
+                  <a:schemeClr val="bg1"/>
+                </a:solidFill>
+              </a:rPr>
+              <a:t>BMW</a:t>
+            </a:r>
+          </a:p>
+        </p:txBody>
+      </p:sp>
+      <p:cxnSp>
+        <p:nvCxnSpPr>
+          <p:cNvPr id="11" name="Düz Ok Bağlayıcısı 10">
+            <a:extLst>
+              <a:ext uri="{FF2B5EF4-FFF2-40B4-BE49-F238E27FC236}">
+                <a16:creationId xmlns:a16="http://schemas.microsoft.com/office/drawing/2014/main" id="{6F63AE0F-FED9-3E2F-0603-2DA3001061E3}"/>
+              </a:ext>
+            </a:extLst>
+          </p:cNvPr>
+          <p:cNvCxnSpPr/>
+          <p:nvPr/>
+        </p:nvCxnSpPr>
+        <p:spPr>
+          <a:xfrm flipV="1">
+            <a:off x="3131598" y="2455988"/>
+            <a:ext cx="1075679" cy="878837"/>
+          </a:xfrm>
+          <a:prstGeom prst="straightConnector1">
+            <a:avLst/>
+          </a:prstGeom>
+          <a:ln>
+            <a:tailEnd type="triangle"/>
+          </a:ln>
+        </p:spPr>
+        <p:style>
+          <a:lnRef idx="1">
+            <a:schemeClr val="accent1"/>
+          </a:lnRef>
+          <a:fillRef idx="0">
+            <a:schemeClr val="accent1"/>
+          </a:fillRef>
+          <a:effectRef idx="0">
+            <a:schemeClr val="accent1"/>
+          </a:effectRef>
+          <a:fontRef idx="minor">
+            <a:schemeClr val="tx1"/>
+          </a:fontRef>
+        </p:style>
+      </p:cxnSp>
+      <p:cxnSp>
+        <p:nvCxnSpPr>
+          <p:cNvPr id="12" name="Düz Ok Bağlayıcısı 11">
+            <a:extLst>
+              <a:ext uri="{FF2B5EF4-FFF2-40B4-BE49-F238E27FC236}">
+                <a16:creationId xmlns:a16="http://schemas.microsoft.com/office/drawing/2014/main" id="{7310A905-F2D3-222D-B4DD-B805FBB40C53}"/>
+              </a:ext>
+            </a:extLst>
+          </p:cNvPr>
+          <p:cNvCxnSpPr/>
+          <p:nvPr/>
+        </p:nvCxnSpPr>
+        <p:spPr>
+          <a:xfrm flipH="1" flipV="1">
+            <a:off x="6830627" y="2455988"/>
+            <a:ext cx="1464815" cy="807816"/>
+          </a:xfrm>
+          <a:prstGeom prst="straightConnector1">
+            <a:avLst/>
+          </a:prstGeom>
+          <a:ln>
+            <a:tailEnd type="triangle"/>
+          </a:ln>
+        </p:spPr>
+        <p:style>
+          <a:lnRef idx="1">
+            <a:schemeClr val="accent1"/>
+          </a:lnRef>
+          <a:fillRef idx="0">
+            <a:schemeClr val="accent1"/>
+          </a:fillRef>
+          <a:effectRef idx="0">
+            <a:schemeClr val="accent1"/>
+          </a:effectRef>
+          <a:fontRef idx="minor">
+            <a:schemeClr val="tx1"/>
+          </a:fontRef>
+        </p:style>
+      </p:cxnSp>
+      <p:sp>
+        <p:nvSpPr>
+          <p:cNvPr id="13" name="Metin kutusu 12">
+            <a:extLst>
+              <a:ext uri="{FF2B5EF4-FFF2-40B4-BE49-F238E27FC236}">
+                <a16:creationId xmlns:a16="http://schemas.microsoft.com/office/drawing/2014/main" id="{4AD19BD0-DA67-8AF5-42DE-CDD7BF649628}"/>
+              </a:ext>
+            </a:extLst>
+          </p:cNvPr>
+          <p:cNvSpPr txBox="1"/>
+          <p:nvPr/>
+        </p:nvSpPr>
+        <p:spPr>
+          <a:xfrm>
+            <a:off x="2322990" y="5222289"/>
+            <a:ext cx="5972452" cy="646331"/>
+          </a:xfrm>
+          <a:prstGeom prst="rect">
+            <a:avLst/>
+          </a:prstGeom>
+          <a:noFill/>
+        </p:spPr>
+        <p:txBody>
+          <a:bodyPr wrap="square" rtlCol="0">
+            <a:spAutoFit/>
+          </a:bodyPr>
+          <a:lstStyle/>
+          <a:p>
+            <a:pPr algn="ctr"/>
+            <a:r>
+              <a:rPr lang="tr-TR" dirty="0">
+                <a:solidFill>
+                  <a:schemeClr val="tx1">
+                    <a:lumMod val="85000"/>
+                    <a:lumOff val="15000"/>
+                  </a:schemeClr>
+                </a:solidFill>
+              </a:rPr>
+              <a:t>BMW, sürücüyü bilgilendirme mesajı özelliğini kaldırdı..</a:t>
+            </a:r>
+          </a:p>
+        </p:txBody>
+      </p:sp>
+      <p:sp>
+        <p:nvSpPr>
+          <p:cNvPr id="14" name="Dikdörtgen 13">
+            <a:extLst>
+              <a:ext uri="{FF2B5EF4-FFF2-40B4-BE49-F238E27FC236}">
+                <a16:creationId xmlns:a16="http://schemas.microsoft.com/office/drawing/2014/main" id="{BDD26FE6-3A9C-C822-CDEA-A645AEBE1BA4}"/>
+              </a:ext>
+            </a:extLst>
+          </p:cNvPr>
+          <p:cNvSpPr/>
+          <p:nvPr/>
+        </p:nvSpPr>
+        <p:spPr>
+          <a:xfrm>
+            <a:off x="8380520" y="825624"/>
+            <a:ext cx="2991775" cy="1421165"/>
+          </a:xfrm>
+          <a:prstGeom prst="rect">
+            <a:avLst/>
+          </a:prstGeom>
+        </p:spPr>
+        <p:style>
+          <a:lnRef idx="2">
+            <a:schemeClr val="accent1">
+              <a:shade val="15000"/>
+            </a:schemeClr>
+          </a:lnRef>
+          <a:fillRef idx="1">
+            <a:schemeClr val="accent1"/>
+          </a:fillRef>
+          <a:effectRef idx="0">
+            <a:schemeClr val="accent1"/>
+          </a:effectRef>
+          <a:fontRef idx="minor">
+            <a:schemeClr val="lt1"/>
+          </a:fontRef>
+        </p:style>
+        <p:txBody>
+          <a:bodyPr rtlCol="0" anchor="ctr"/>
+          <a:lstStyle/>
+          <a:p>
+            <a:pPr algn="ctr"/>
+            <a:endParaRPr lang="tr-TR"/>
+          </a:p>
+        </p:txBody>
+      </p:sp>
+      <p:sp>
+        <p:nvSpPr>
+          <p:cNvPr id="16" name="Metin kutusu 15">
+            <a:extLst>
+              <a:ext uri="{FF2B5EF4-FFF2-40B4-BE49-F238E27FC236}">
+                <a16:creationId xmlns:a16="http://schemas.microsoft.com/office/drawing/2014/main" id="{051E717D-E3E4-E0E4-0AC3-4CD698013E03}"/>
+              </a:ext>
+            </a:extLst>
+          </p:cNvPr>
+          <p:cNvSpPr txBox="1"/>
+          <p:nvPr/>
+        </p:nvSpPr>
+        <p:spPr>
+          <a:xfrm>
+            <a:off x="8245872" y="976556"/>
+            <a:ext cx="3195961" cy="923330"/>
+          </a:xfrm>
+          <a:prstGeom prst="rect">
+            <a:avLst/>
+          </a:prstGeom>
+          <a:noFill/>
+        </p:spPr>
+        <p:txBody>
+          <a:bodyPr wrap="square" rtlCol="0">
+            <a:spAutoFit/>
+          </a:bodyPr>
+          <a:lstStyle/>
+          <a:p>
+            <a:pPr algn="ctr"/>
+            <a:r>
+              <a:rPr lang="tr-TR" dirty="0" err="1">
+                <a:solidFill>
+                  <a:schemeClr val="bg1"/>
+                </a:solidFill>
+              </a:rPr>
+              <a:t>ISMSSendable</a:t>
+            </a:r>
+            <a:endParaRPr lang="tr-TR" dirty="0">
+              <a:solidFill>
+                <a:schemeClr val="bg1"/>
+              </a:solidFill>
+            </a:endParaRPr>
+          </a:p>
+          <a:p>
+            <a:pPr algn="ctr"/>
+            <a:r>
+              <a:rPr lang="tr-TR" dirty="0">
+                <a:solidFill>
+                  <a:schemeClr val="bg1"/>
+                </a:solidFill>
+              </a:rPr>
+              <a:t>------------------------------</a:t>
+            </a:r>
+          </a:p>
+          <a:p>
+            <a:pPr algn="ctr"/>
+            <a:r>
+              <a:rPr lang="tr-TR" dirty="0" err="1">
+                <a:solidFill>
+                  <a:schemeClr val="bg1"/>
+                </a:solidFill>
+              </a:rPr>
+              <a:t>void</a:t>
+            </a:r>
+            <a:r>
+              <a:rPr lang="tr-TR" dirty="0">
+                <a:solidFill>
+                  <a:schemeClr val="bg1"/>
+                </a:solidFill>
+              </a:rPr>
+              <a:t> </a:t>
+            </a:r>
+            <a:r>
+              <a:rPr lang="tr-TR" dirty="0" err="1">
+                <a:solidFill>
+                  <a:schemeClr val="bg1"/>
+                </a:solidFill>
+              </a:rPr>
+              <a:t>sendSMS</a:t>
+            </a:r>
+            <a:r>
+              <a:rPr lang="tr-TR" dirty="0">
+                <a:solidFill>
+                  <a:schemeClr val="bg1"/>
+                </a:solidFill>
+              </a:rPr>
+              <a:t>()</a:t>
+            </a:r>
+          </a:p>
+        </p:txBody>
+      </p:sp>
+    </p:spTree>
+    <p:extLst>
+      <p:ext uri="{BB962C8B-B14F-4D97-AF65-F5344CB8AC3E}">
+        <p14:creationId xmlns:p14="http://schemas.microsoft.com/office/powerpoint/2010/main" val="902847854"/>
+      </p:ext>
+    </p:extLst>
+  </p:cSld>
+  <p:clrMapOvr>
+    <a:masterClrMapping/>
+  </p:clrMapOvr>
+</p:sld>
+</file>
+
+<file path=ppt/slides/slide16.xml><?xml version="1.0" encoding="utf-8"?>
+<p:sld xmlns:a="http://schemas.openxmlformats.org/drawingml/2006/main" xmlns:r="http://schemas.openxmlformats.org/officeDocument/2006/relationships" xmlns:p="http://schemas.openxmlformats.org/presentationml/2006/main">
+  <p:cSld>
+    <p:spTree>
+      <p:nvGrpSpPr>
+        <p:cNvPr id="1" name=""/>
+        <p:cNvGrpSpPr/>
+        <p:nvPr/>
+      </p:nvGrpSpPr>
+      <p:grpSpPr>
+        <a:xfrm>
+          <a:off x="0" y="0"/>
+          <a:ext cx="0" cy="0"/>
+          <a:chOff x="0" y="0"/>
+          <a:chExt cx="0" cy="0"/>
+        </a:xfrm>
+      </p:grpSpPr>
+      <p:sp>
+        <p:nvSpPr>
+          <p:cNvPr id="2" name="Başlık 1">
+            <a:extLst>
+              <a:ext uri="{FF2B5EF4-FFF2-40B4-BE49-F238E27FC236}">
+                <a16:creationId xmlns:a16="http://schemas.microsoft.com/office/drawing/2014/main" id="{2F773076-014E-13ED-2AC9-A0F5E9DEB9A0}"/>
+              </a:ext>
+            </a:extLst>
+          </p:cNvPr>
+          <p:cNvSpPr>
+            <a:spLocks noGrp="1"/>
+          </p:cNvSpPr>
+          <p:nvPr>
+            <p:ph type="title"/>
+          </p:nvPr>
+        </p:nvSpPr>
+        <p:spPr/>
+        <p:txBody>
+          <a:bodyPr/>
+          <a:lstStyle/>
+          <a:p>
+            <a:r>
+              <a:rPr lang="tr-TR" dirty="0" err="1"/>
+              <a:t>Interface</a:t>
+            </a:r>
+            <a:r>
+              <a:rPr lang="tr-TR" dirty="0"/>
+              <a:t> </a:t>
+            </a:r>
+            <a:r>
+              <a:rPr lang="tr-TR" dirty="0" err="1"/>
+              <a:t>segregatıon</a:t>
+            </a:r>
+            <a:r>
+              <a:rPr lang="tr-TR" dirty="0"/>
+              <a:t> </a:t>
+            </a:r>
+            <a:r>
+              <a:rPr lang="tr-TR" dirty="0" err="1"/>
+              <a:t>prıncıple</a:t>
+            </a:r>
+            <a:endParaRPr lang="tr-TR" dirty="0"/>
+          </a:p>
+        </p:txBody>
+      </p:sp>
+      <p:sp>
+        <p:nvSpPr>
+          <p:cNvPr id="3" name="İçerik Yer Tutucusu 2">
+            <a:extLst>
+              <a:ext uri="{FF2B5EF4-FFF2-40B4-BE49-F238E27FC236}">
+                <a16:creationId xmlns:a16="http://schemas.microsoft.com/office/drawing/2014/main" id="{17779D93-1364-358B-97C5-3460E78D4BCB}"/>
+              </a:ext>
+            </a:extLst>
+          </p:cNvPr>
+          <p:cNvSpPr>
+            <a:spLocks noGrp="1"/>
+          </p:cNvSpPr>
+          <p:nvPr>
+            <p:ph idx="1"/>
+          </p:nvPr>
+        </p:nvSpPr>
+        <p:spPr/>
+        <p:txBody>
+          <a:bodyPr>
+            <a:normAutofit/>
+          </a:bodyPr>
+          <a:lstStyle/>
+          <a:p>
+            <a:pPr>
+              <a:lnSpc>
+                <a:spcPct val="115000"/>
+              </a:lnSpc>
+              <a:spcAft>
+                <a:spcPts val="800"/>
+              </a:spcAft>
+            </a:pPr>
+            <a:r>
+              <a:rPr lang="tr-TR" sz="2200" kern="100" spc="-5" dirty="0">
+                <a:solidFill>
+                  <a:srgbClr val="242424"/>
+                </a:solidFill>
+                <a:effectLst/>
+                <a:latin typeface="Calibri" panose="020F0502020204030204" pitchFamily="34" charset="0"/>
+                <a:ea typeface="Calibri" panose="020F0502020204030204" pitchFamily="34" charset="0"/>
+                <a:cs typeface="Calibri" panose="020F0502020204030204" pitchFamily="34" charset="0"/>
+              </a:rPr>
+              <a:t>Sorumlulukların hepsini tek bir arayüze toplamak yerine daha özelleştirilmiş birden fazla arayüz oluşturmalıyız.</a:t>
+            </a:r>
+            <a:endParaRPr lang="tr-TR" sz="2200" kern="100" dirty="0">
+              <a:effectLst/>
+              <a:latin typeface="Calibri" panose="020F0502020204030204" pitchFamily="34" charset="0"/>
+              <a:ea typeface="Calibri" panose="020F0502020204030204" pitchFamily="34" charset="0"/>
+              <a:cs typeface="Calibri" panose="020F0502020204030204" pitchFamily="34" charset="0"/>
+            </a:endParaRPr>
+          </a:p>
+          <a:p>
+            <a:pPr>
+              <a:lnSpc>
+                <a:spcPct val="107000"/>
+              </a:lnSpc>
+              <a:spcAft>
+                <a:spcPts val="800"/>
+              </a:spcAft>
+            </a:pPr>
+            <a:r>
+              <a:rPr lang="tr-TR" sz="2200" kern="100" dirty="0">
+                <a:effectLst/>
+                <a:latin typeface="Calibri" panose="020F0502020204030204" pitchFamily="34" charset="0"/>
+                <a:ea typeface="Calibri" panose="020F0502020204030204" pitchFamily="34" charset="0"/>
+                <a:cs typeface="Calibri" panose="020F0502020204030204" pitchFamily="34" charset="0"/>
+              </a:rPr>
+              <a:t>Bir </a:t>
+            </a:r>
+            <a:r>
+              <a:rPr lang="tr-TR" sz="2200" kern="100" dirty="0" err="1">
+                <a:effectLst/>
+                <a:latin typeface="Calibri" panose="020F0502020204030204" pitchFamily="34" charset="0"/>
+                <a:ea typeface="Calibri" panose="020F0502020204030204" pitchFamily="34" charset="0"/>
+                <a:cs typeface="Calibri" panose="020F0502020204030204" pitchFamily="34" charset="0"/>
+              </a:rPr>
+              <a:t>class</a:t>
+            </a:r>
+            <a:r>
+              <a:rPr lang="tr-TR" sz="2200" kern="100" dirty="0">
+                <a:effectLst/>
+                <a:latin typeface="Calibri" panose="020F0502020204030204" pitchFamily="34" charset="0"/>
+                <a:ea typeface="Calibri" panose="020F0502020204030204" pitchFamily="34" charset="0"/>
+                <a:cs typeface="Calibri" panose="020F0502020204030204" pitchFamily="34" charset="0"/>
+              </a:rPr>
+              <a:t> içerisinde tanımlamanız gereken bir fonksiyonu diğer </a:t>
+            </a:r>
+            <a:r>
+              <a:rPr lang="tr-TR" sz="2200" kern="100" dirty="0" err="1">
+                <a:effectLst/>
+                <a:latin typeface="Calibri" panose="020F0502020204030204" pitchFamily="34" charset="0"/>
+                <a:ea typeface="Calibri" panose="020F0502020204030204" pitchFamily="34" charset="0"/>
+                <a:cs typeface="Calibri" panose="020F0502020204030204" pitchFamily="34" charset="0"/>
+              </a:rPr>
+              <a:t>classlarda</a:t>
+            </a:r>
+            <a:r>
+              <a:rPr lang="tr-TR" sz="2200" kern="100" dirty="0">
+                <a:effectLst/>
+                <a:latin typeface="Calibri" panose="020F0502020204030204" pitchFamily="34" charset="0"/>
+                <a:ea typeface="Calibri" panose="020F0502020204030204" pitchFamily="34" charset="0"/>
+                <a:cs typeface="Calibri" panose="020F0502020204030204" pitchFamily="34" charset="0"/>
+              </a:rPr>
+              <a:t> kullanmayacaksak </a:t>
+            </a:r>
+            <a:r>
+              <a:rPr lang="tr-TR" sz="2200" kern="100" dirty="0" err="1">
+                <a:effectLst/>
+                <a:latin typeface="Calibri" panose="020F0502020204030204" pitchFamily="34" charset="0"/>
+                <a:ea typeface="Calibri" panose="020F0502020204030204" pitchFamily="34" charset="0"/>
+                <a:cs typeface="Calibri" panose="020F0502020204030204" pitchFamily="34" charset="0"/>
+              </a:rPr>
+              <a:t>interface</a:t>
+            </a:r>
+            <a:r>
+              <a:rPr lang="tr-TR" sz="2200" kern="100" dirty="0">
+                <a:effectLst/>
+                <a:latin typeface="Calibri" panose="020F0502020204030204" pitchFamily="34" charset="0"/>
+                <a:ea typeface="Calibri" panose="020F0502020204030204" pitchFamily="34" charset="0"/>
+                <a:cs typeface="Calibri" panose="020F0502020204030204" pitchFamily="34" charset="0"/>
+              </a:rPr>
+              <a:t> içine eklememeliyiz. Yoksa diğer </a:t>
+            </a:r>
+            <a:r>
+              <a:rPr lang="tr-TR" sz="2200" kern="100" dirty="0" err="1">
+                <a:effectLst/>
+                <a:latin typeface="Calibri" panose="020F0502020204030204" pitchFamily="34" charset="0"/>
+                <a:ea typeface="Calibri" panose="020F0502020204030204" pitchFamily="34" charset="0"/>
+                <a:cs typeface="Calibri" panose="020F0502020204030204" pitchFamily="34" charset="0"/>
+              </a:rPr>
+              <a:t>classlar</a:t>
+            </a:r>
+            <a:r>
+              <a:rPr lang="tr-TR" sz="2200" kern="100" dirty="0">
+                <a:effectLst/>
+                <a:latin typeface="Calibri" panose="020F0502020204030204" pitchFamily="34" charset="0"/>
+                <a:ea typeface="Calibri" panose="020F0502020204030204" pitchFamily="34" charset="0"/>
+                <a:cs typeface="Calibri" panose="020F0502020204030204" pitchFamily="34" charset="0"/>
+              </a:rPr>
+              <a:t> problem yaratacaktır. Bunun için yeni bir </a:t>
+            </a:r>
+            <a:r>
+              <a:rPr lang="tr-TR" sz="2200" kern="100" dirty="0" err="1">
+                <a:effectLst/>
+                <a:latin typeface="Calibri" panose="020F0502020204030204" pitchFamily="34" charset="0"/>
+                <a:ea typeface="Calibri" panose="020F0502020204030204" pitchFamily="34" charset="0"/>
+                <a:cs typeface="Calibri" panose="020F0502020204030204" pitchFamily="34" charset="0"/>
+              </a:rPr>
+              <a:t>interface</a:t>
+            </a:r>
+            <a:r>
+              <a:rPr lang="tr-TR" sz="2200" kern="100" dirty="0">
+                <a:effectLst/>
+                <a:latin typeface="Calibri" panose="020F0502020204030204" pitchFamily="34" charset="0"/>
+                <a:ea typeface="Calibri" panose="020F0502020204030204" pitchFamily="34" charset="0"/>
+                <a:cs typeface="Calibri" panose="020F0502020204030204" pitchFamily="34" charset="0"/>
+              </a:rPr>
+              <a:t> açmalıyız.</a:t>
+            </a:r>
+          </a:p>
+          <a:p>
+            <a:endParaRPr lang="tr-TR" sz="2200" dirty="0">
+              <a:latin typeface="Calibri" panose="020F0502020204030204" pitchFamily="34" charset="0"/>
+              <a:cs typeface="Calibri" panose="020F0502020204030204" pitchFamily="34" charset="0"/>
+            </a:endParaRPr>
+          </a:p>
+        </p:txBody>
+      </p:sp>
+    </p:spTree>
+    <p:extLst>
+      <p:ext uri="{BB962C8B-B14F-4D97-AF65-F5344CB8AC3E}">
+        <p14:creationId xmlns:p14="http://schemas.microsoft.com/office/powerpoint/2010/main" val="2815452730"/>
+      </p:ext>
+    </p:extLst>
+  </p:cSld>
+  <p:clrMapOvr>
+    <a:masterClrMapping/>
+  </p:clrMapOvr>
+</p:sld>
+</file>
+
+<file path=ppt/slides/slide17.xml><?xml version="1.0" encoding="utf-8"?>
+<p:sld xmlns:a="http://schemas.openxmlformats.org/drawingml/2006/main" xmlns:r="http://schemas.openxmlformats.org/officeDocument/2006/relationships" xmlns:p="http://schemas.openxmlformats.org/presentationml/2006/main">
+  <p:cSld>
+    <p:spTree>
+      <p:nvGrpSpPr>
+        <p:cNvPr id="1" name=""/>
+        <p:cNvGrpSpPr/>
+        <p:nvPr/>
+      </p:nvGrpSpPr>
+      <p:grpSpPr>
+        <a:xfrm>
+          <a:off x="0" y="0"/>
+          <a:ext cx="0" cy="0"/>
+          <a:chOff x="0" y="0"/>
+          <a:chExt cx="0" cy="0"/>
+        </a:xfrm>
+      </p:grpSpPr>
+      <p:sp>
+        <p:nvSpPr>
+          <p:cNvPr id="2" name="Başlık 1">
+            <a:extLst>
+              <a:ext uri="{FF2B5EF4-FFF2-40B4-BE49-F238E27FC236}">
+                <a16:creationId xmlns:a16="http://schemas.microsoft.com/office/drawing/2014/main" id="{9A20BCC4-CF92-C31A-B5DC-31774308E083}"/>
+              </a:ext>
+            </a:extLst>
+          </p:cNvPr>
+          <p:cNvSpPr>
+            <a:spLocks noGrp="1"/>
+          </p:cNvSpPr>
+          <p:nvPr>
+            <p:ph type="title"/>
+          </p:nvPr>
+        </p:nvSpPr>
+        <p:spPr/>
+        <p:txBody>
+          <a:bodyPr/>
+          <a:lstStyle/>
+          <a:p>
+            <a:r>
+              <a:rPr lang="tr-TR" dirty="0" err="1"/>
+              <a:t>Interface</a:t>
+            </a:r>
+            <a:r>
+              <a:rPr lang="tr-TR" dirty="0"/>
+              <a:t> </a:t>
+            </a:r>
+            <a:r>
+              <a:rPr lang="tr-TR" dirty="0" err="1"/>
+              <a:t>segregatıon</a:t>
+            </a:r>
+            <a:r>
+              <a:rPr lang="tr-TR" dirty="0"/>
+              <a:t> ile </a:t>
+            </a:r>
+            <a:r>
+              <a:rPr lang="tr-TR" dirty="0" err="1"/>
+              <a:t>Lıskov</a:t>
+            </a:r>
+            <a:r>
+              <a:rPr lang="tr-TR" dirty="0"/>
+              <a:t> </a:t>
+            </a:r>
+            <a:r>
+              <a:rPr lang="tr-TR" dirty="0" err="1"/>
+              <a:t>substıtıon</a:t>
+            </a:r>
+            <a:r>
+              <a:rPr lang="tr-TR" dirty="0"/>
+              <a:t> arasındaki fark nedir ? </a:t>
+            </a:r>
+          </a:p>
+        </p:txBody>
+      </p:sp>
+      <p:sp>
+        <p:nvSpPr>
+          <p:cNvPr id="3" name="İçerik Yer Tutucusu 2">
+            <a:extLst>
+              <a:ext uri="{FF2B5EF4-FFF2-40B4-BE49-F238E27FC236}">
+                <a16:creationId xmlns:a16="http://schemas.microsoft.com/office/drawing/2014/main" id="{186DB31C-01E4-1F91-DD2E-A6DE29AF5AA5}"/>
+              </a:ext>
+            </a:extLst>
+          </p:cNvPr>
+          <p:cNvSpPr>
+            <a:spLocks noGrp="1"/>
+          </p:cNvSpPr>
+          <p:nvPr>
+            <p:ph idx="1"/>
+          </p:nvPr>
+        </p:nvSpPr>
+        <p:spPr>
+          <a:xfrm>
+            <a:off x="1069848" y="2388092"/>
+            <a:ext cx="10213670" cy="3784107"/>
+          </a:xfrm>
+        </p:spPr>
+        <p:txBody>
+          <a:bodyPr>
+            <a:normAutofit/>
+          </a:bodyPr>
+          <a:lstStyle/>
+          <a:p>
+            <a:r>
+              <a:rPr lang="tr-TR" sz="2200" dirty="0">
+                <a:latin typeface="Calibri" panose="020F0502020204030204" pitchFamily="34" charset="0"/>
+                <a:cs typeface="Calibri" panose="020F0502020204030204" pitchFamily="34" charset="0"/>
+              </a:rPr>
+              <a:t>ISP, bir arayüzün gereksiz özellikler içermemesini ve spesifik olmasını önerirken, LSP ise alt sınıfların üst sınıfların yerine </a:t>
+            </a:r>
+            <a:r>
+              <a:rPr lang="tr-TR" sz="2200" dirty="0" err="1">
+                <a:latin typeface="Calibri" panose="020F0502020204030204" pitchFamily="34" charset="0"/>
+                <a:cs typeface="Calibri" panose="020F0502020204030204" pitchFamily="34" charset="0"/>
+              </a:rPr>
+              <a:t>geçebilirliğini</a:t>
+            </a:r>
+            <a:r>
+              <a:rPr lang="tr-TR" sz="2200" dirty="0">
+                <a:latin typeface="Calibri" panose="020F0502020204030204" pitchFamily="34" charset="0"/>
+                <a:cs typeface="Calibri" panose="020F0502020204030204" pitchFamily="34" charset="0"/>
+              </a:rPr>
+              <a:t> ve davranışlarını aynı şekilde sürdürmesini gerektirir.</a:t>
+            </a:r>
+          </a:p>
+        </p:txBody>
+      </p:sp>
+    </p:spTree>
+    <p:extLst>
+      <p:ext uri="{BB962C8B-B14F-4D97-AF65-F5344CB8AC3E}">
+        <p14:creationId xmlns:p14="http://schemas.microsoft.com/office/powerpoint/2010/main" val="1473320864"/>
+      </p:ext>
+    </p:extLst>
+  </p:cSld>
+  <p:clrMapOvr>
+    <a:masterClrMapping/>
+  </p:clrMapOvr>
+</p:sld>
+</file>
+
+<file path=ppt/slides/slide18.xml><?xml version="1.0" encoding="utf-8"?>
+<p:sld xmlns:a="http://schemas.openxmlformats.org/drawingml/2006/main" xmlns:r="http://schemas.openxmlformats.org/officeDocument/2006/relationships" xmlns:p="http://schemas.openxmlformats.org/presentationml/2006/main">
+  <p:cSld>
+    <p:spTree>
+      <p:nvGrpSpPr>
+        <p:cNvPr id="1" name=""/>
+        <p:cNvGrpSpPr/>
+        <p:nvPr/>
+      </p:nvGrpSpPr>
+      <p:grpSpPr>
+        <a:xfrm>
+          <a:off x="0" y="0"/>
+          <a:ext cx="0" cy="0"/>
+          <a:chOff x="0" y="0"/>
+          <a:chExt cx="0" cy="0"/>
+        </a:xfrm>
+      </p:grpSpPr>
+      <p:sp>
+        <p:nvSpPr>
+          <p:cNvPr id="2" name="Başlık 1">
+            <a:extLst>
+              <a:ext uri="{FF2B5EF4-FFF2-40B4-BE49-F238E27FC236}">
+                <a16:creationId xmlns:a16="http://schemas.microsoft.com/office/drawing/2014/main" id="{55441EC7-DAF8-F45F-75CD-36244F602055}"/>
+              </a:ext>
+            </a:extLst>
+          </p:cNvPr>
+          <p:cNvSpPr>
+            <a:spLocks noGrp="1"/>
+          </p:cNvSpPr>
+          <p:nvPr>
+            <p:ph type="title"/>
+          </p:nvPr>
+        </p:nvSpPr>
+        <p:spPr/>
+        <p:txBody>
+          <a:bodyPr/>
+          <a:lstStyle/>
+          <a:p>
+            <a:r>
+              <a:rPr lang="tr-TR" dirty="0" err="1"/>
+              <a:t>Dependency</a:t>
+            </a:r>
+            <a:r>
+              <a:rPr lang="tr-TR" dirty="0"/>
+              <a:t> </a:t>
+            </a:r>
+            <a:r>
+              <a:rPr lang="tr-TR" dirty="0" err="1"/>
+              <a:t>ınversıon</a:t>
+            </a:r>
+            <a:r>
+              <a:rPr lang="tr-TR" dirty="0"/>
+              <a:t> </a:t>
+            </a:r>
+            <a:r>
+              <a:rPr lang="tr-TR" dirty="0" err="1"/>
+              <a:t>prencıple</a:t>
+            </a:r>
+            <a:endParaRPr lang="tr-TR" dirty="0"/>
+          </a:p>
+        </p:txBody>
+      </p:sp>
+      <p:sp>
+        <p:nvSpPr>
+          <p:cNvPr id="3" name="İçerik Yer Tutucusu 2">
+            <a:extLst>
+              <a:ext uri="{FF2B5EF4-FFF2-40B4-BE49-F238E27FC236}">
+                <a16:creationId xmlns:a16="http://schemas.microsoft.com/office/drawing/2014/main" id="{77C28EE7-9A07-7C21-97F5-689C17918545}"/>
+              </a:ext>
+            </a:extLst>
+          </p:cNvPr>
+          <p:cNvSpPr>
+            <a:spLocks noGrp="1"/>
+          </p:cNvSpPr>
+          <p:nvPr>
+            <p:ph idx="1"/>
+          </p:nvPr>
+        </p:nvSpPr>
+        <p:spPr>
+          <a:xfrm>
+            <a:off x="1063752" y="2093976"/>
+            <a:ext cx="4396015" cy="4050792"/>
+          </a:xfrm>
+        </p:spPr>
+        <p:txBody>
+          <a:bodyPr>
+            <a:noAutofit/>
+          </a:bodyPr>
+          <a:lstStyle/>
+          <a:p>
+            <a:r>
+              <a:rPr lang="tr-TR" sz="1800" kern="100" dirty="0">
+                <a:effectLst/>
+                <a:latin typeface="Calibri" panose="020F0502020204030204" pitchFamily="34" charset="0"/>
+                <a:ea typeface="Calibri" panose="020F0502020204030204" pitchFamily="34" charset="0"/>
+                <a:cs typeface="Calibri" panose="020F0502020204030204" pitchFamily="34" charset="0"/>
+              </a:rPr>
+              <a:t>Daha üst seviyedeki bir </a:t>
+            </a:r>
+            <a:r>
+              <a:rPr lang="tr-TR" sz="1800" kern="100" dirty="0" err="1">
+                <a:effectLst/>
+                <a:latin typeface="Calibri" panose="020F0502020204030204" pitchFamily="34" charset="0"/>
+                <a:ea typeface="Calibri" panose="020F0502020204030204" pitchFamily="34" charset="0"/>
+                <a:cs typeface="Calibri" panose="020F0502020204030204" pitchFamily="34" charset="0"/>
+              </a:rPr>
+              <a:t>class</a:t>
+            </a:r>
+            <a:r>
+              <a:rPr lang="tr-TR" sz="1800" kern="100" dirty="0">
+                <a:effectLst/>
+                <a:latin typeface="Calibri" panose="020F0502020204030204" pitchFamily="34" charset="0"/>
+                <a:ea typeface="Calibri" panose="020F0502020204030204" pitchFamily="34" charset="0"/>
+                <a:cs typeface="Calibri" panose="020F0502020204030204" pitchFamily="34" charset="0"/>
+              </a:rPr>
+              <a:t>, alt seviyedeki bir </a:t>
+            </a:r>
+            <a:r>
+              <a:rPr lang="tr-TR" sz="1800" kern="100" dirty="0" err="1">
+                <a:effectLst/>
+                <a:latin typeface="Calibri" panose="020F0502020204030204" pitchFamily="34" charset="0"/>
+                <a:ea typeface="Calibri" panose="020F0502020204030204" pitchFamily="34" charset="0"/>
+                <a:cs typeface="Calibri" panose="020F0502020204030204" pitchFamily="34" charset="0"/>
+              </a:rPr>
+              <a:t>classa</a:t>
+            </a:r>
+            <a:r>
+              <a:rPr lang="tr-TR" sz="1800" kern="100" dirty="0">
+                <a:effectLst/>
+                <a:latin typeface="Calibri" panose="020F0502020204030204" pitchFamily="34" charset="0"/>
+                <a:ea typeface="Calibri" panose="020F0502020204030204" pitchFamily="34" charset="0"/>
+                <a:cs typeface="Calibri" panose="020F0502020204030204" pitchFamily="34" charset="0"/>
+              </a:rPr>
+              <a:t> bağımlı olmamalı.</a:t>
+            </a:r>
+          </a:p>
+          <a:p>
+            <a:pPr marL="0" indent="0">
+              <a:buNone/>
+            </a:pPr>
+            <a:endParaRPr lang="tr-TR" sz="1800" kern="100" dirty="0">
+              <a:effectLst/>
+              <a:latin typeface="Calibri" panose="020F0502020204030204" pitchFamily="34" charset="0"/>
+              <a:ea typeface="Calibri" panose="020F0502020204030204" pitchFamily="34" charset="0"/>
+              <a:cs typeface="Calibri" panose="020F0502020204030204" pitchFamily="34" charset="0"/>
+            </a:endParaRPr>
+          </a:p>
+          <a:p>
+            <a:r>
+              <a:rPr lang="tr-TR" sz="1800" b="0" i="0" dirty="0">
+                <a:solidFill>
+                  <a:srgbClr val="242424"/>
+                </a:solidFill>
+                <a:effectLst/>
+                <a:latin typeface="Calibri" panose="020F0502020204030204" pitchFamily="34" charset="0"/>
+                <a:cs typeface="Calibri" panose="020F0502020204030204" pitchFamily="34" charset="0"/>
+              </a:rPr>
+              <a:t>Yüksek seviye sınıflarda bir davranış değiştiğinde, alt seviye davranışların bu değişime uyum sağlaması gerekir. Ancak, düşük seviye sınıflarda bir davranış değiştiğinde, üst seviye sınıfların davranışında bir bozulma meydana gelmemelidir.</a:t>
+            </a:r>
+          </a:p>
+          <a:p>
+            <a:endParaRPr lang="tr-TR" sz="1800" kern="100" dirty="0">
+              <a:solidFill>
+                <a:srgbClr val="242424"/>
+              </a:solidFill>
+              <a:latin typeface="Calibri" panose="020F0502020204030204" pitchFamily="34" charset="0"/>
+              <a:ea typeface="Calibri" panose="020F0502020204030204" pitchFamily="34" charset="0"/>
+              <a:cs typeface="Calibri" panose="020F0502020204030204" pitchFamily="34" charset="0"/>
+            </a:endParaRPr>
+          </a:p>
+          <a:p>
+            <a:r>
+              <a:rPr lang="tr-TR" sz="1800" b="0" i="0" dirty="0">
+                <a:solidFill>
+                  <a:srgbClr val="242424"/>
+                </a:solidFill>
+                <a:effectLst/>
+                <a:latin typeface="Calibri" panose="020F0502020204030204" pitchFamily="34" charset="0"/>
+                <a:cs typeface="Calibri" panose="020F0502020204030204" pitchFamily="34" charset="0"/>
+              </a:rPr>
+              <a:t>Notification sınıfımız yüksek seviye bir sınıf olmasına rağmen daha düşük seviyeli olan </a:t>
+            </a:r>
+            <a:r>
+              <a:rPr lang="tr-TR" sz="1800" b="0" i="0" dirty="0" err="1">
+                <a:solidFill>
+                  <a:srgbClr val="242424"/>
+                </a:solidFill>
+                <a:effectLst/>
+                <a:latin typeface="Calibri" panose="020F0502020204030204" pitchFamily="34" charset="0"/>
+                <a:cs typeface="Calibri" panose="020F0502020204030204" pitchFamily="34" charset="0"/>
+              </a:rPr>
+              <a:t>Email</a:t>
+            </a:r>
+            <a:r>
+              <a:rPr lang="tr-TR" sz="1800" b="0" i="0" dirty="0">
+                <a:solidFill>
+                  <a:srgbClr val="242424"/>
+                </a:solidFill>
+                <a:effectLst/>
+                <a:latin typeface="Calibri" panose="020F0502020204030204" pitchFamily="34" charset="0"/>
+                <a:cs typeface="Calibri" panose="020F0502020204030204" pitchFamily="34" charset="0"/>
+              </a:rPr>
+              <a:t> ve SMS sınıflarına bağımlı halde.</a:t>
+            </a:r>
+            <a:endParaRPr lang="tr-TR" sz="1800" kern="100" dirty="0">
+              <a:effectLst/>
+              <a:latin typeface="Calibri" panose="020F0502020204030204" pitchFamily="34" charset="0"/>
+              <a:ea typeface="Calibri" panose="020F0502020204030204" pitchFamily="34" charset="0"/>
+              <a:cs typeface="Calibri" panose="020F0502020204030204" pitchFamily="34" charset="0"/>
+            </a:endParaRPr>
+          </a:p>
+          <a:p>
+            <a:endParaRPr lang="tr-TR" sz="1800" dirty="0">
+              <a:latin typeface="Calibri" panose="020F0502020204030204" pitchFamily="34" charset="0"/>
+              <a:cs typeface="Calibri" panose="020F0502020204030204" pitchFamily="34" charset="0"/>
+            </a:endParaRPr>
+          </a:p>
+        </p:txBody>
+      </p:sp>
+      <p:pic>
+        <p:nvPicPr>
+          <p:cNvPr id="6" name="Resim 5">
+            <a:extLst>
+              <a:ext uri="{FF2B5EF4-FFF2-40B4-BE49-F238E27FC236}">
+                <a16:creationId xmlns:a16="http://schemas.microsoft.com/office/drawing/2014/main" id="{47F9F38E-1E0B-3B14-E6E3-D06ED316B6BD}"/>
+              </a:ext>
+            </a:extLst>
+          </p:cNvPr>
+          <p:cNvPicPr>
+            <a:picLocks noChangeAspect="1"/>
+          </p:cNvPicPr>
+          <p:nvPr/>
+        </p:nvPicPr>
+        <p:blipFill>
+          <a:blip r:embed="rId2"/>
+          <a:stretch>
+            <a:fillRect/>
+          </a:stretch>
+        </p:blipFill>
+        <p:spPr>
+          <a:xfrm>
+            <a:off x="7806299" y="2093976"/>
+            <a:ext cx="2550682" cy="1139506"/>
+          </a:xfrm>
+          <a:prstGeom prst="rect">
+            <a:avLst/>
+          </a:prstGeom>
+        </p:spPr>
+      </p:pic>
+      <p:pic>
+        <p:nvPicPr>
+          <p:cNvPr id="8" name="Resim 7">
+            <a:extLst>
+              <a:ext uri="{FF2B5EF4-FFF2-40B4-BE49-F238E27FC236}">
+                <a16:creationId xmlns:a16="http://schemas.microsoft.com/office/drawing/2014/main" id="{1F281220-D096-8C67-8918-836D9AC2B099}"/>
+              </a:ext>
+            </a:extLst>
+          </p:cNvPr>
+          <p:cNvPicPr>
+            <a:picLocks noChangeAspect="1"/>
+          </p:cNvPicPr>
+          <p:nvPr/>
+        </p:nvPicPr>
+        <p:blipFill>
+          <a:blip r:embed="rId3"/>
+          <a:stretch>
+            <a:fillRect/>
+          </a:stretch>
+        </p:blipFill>
+        <p:spPr>
+          <a:xfrm>
+            <a:off x="7806300" y="3429000"/>
+            <a:ext cx="2205448" cy="959925"/>
+          </a:xfrm>
+          <a:prstGeom prst="rect">
+            <a:avLst/>
+          </a:prstGeom>
+        </p:spPr>
+      </p:pic>
+      <p:pic>
+        <p:nvPicPr>
+          <p:cNvPr id="10" name="Resim 9">
+            <a:extLst>
+              <a:ext uri="{FF2B5EF4-FFF2-40B4-BE49-F238E27FC236}">
+                <a16:creationId xmlns:a16="http://schemas.microsoft.com/office/drawing/2014/main" id="{EDE75890-1D9E-7E0C-48DD-21FB7EA71A92}"/>
+              </a:ext>
+            </a:extLst>
+          </p:cNvPr>
+          <p:cNvPicPr>
+            <a:picLocks noChangeAspect="1"/>
+          </p:cNvPicPr>
+          <p:nvPr/>
+        </p:nvPicPr>
+        <p:blipFill>
+          <a:blip r:embed="rId4"/>
+          <a:stretch>
+            <a:fillRect/>
+          </a:stretch>
+        </p:blipFill>
+        <p:spPr>
+          <a:xfrm>
+            <a:off x="7806299" y="4734707"/>
+            <a:ext cx="3219899" cy="1934893"/>
+          </a:xfrm>
+          <a:prstGeom prst="rect">
+            <a:avLst/>
+          </a:prstGeom>
+        </p:spPr>
+      </p:pic>
+      <p:sp>
+        <p:nvSpPr>
+          <p:cNvPr id="11" name="Metin kutusu 10">
+            <a:extLst>
+              <a:ext uri="{FF2B5EF4-FFF2-40B4-BE49-F238E27FC236}">
+                <a16:creationId xmlns:a16="http://schemas.microsoft.com/office/drawing/2014/main" id="{1B76E477-C393-F422-EA8A-443348AE2853}"/>
+              </a:ext>
+            </a:extLst>
+          </p:cNvPr>
+          <p:cNvSpPr txBox="1"/>
+          <p:nvPr/>
+        </p:nvSpPr>
+        <p:spPr>
+          <a:xfrm>
+            <a:off x="6466114" y="5915608"/>
+            <a:ext cx="1091682" cy="369332"/>
+          </a:xfrm>
+          <a:prstGeom prst="rect">
+            <a:avLst/>
+          </a:prstGeom>
+          <a:noFill/>
+        </p:spPr>
+        <p:txBody>
+          <a:bodyPr wrap="square" rtlCol="0">
+            <a:spAutoFit/>
+          </a:bodyPr>
+          <a:lstStyle/>
+          <a:p>
+            <a:r>
+              <a:rPr lang="tr-TR" dirty="0">
+                <a:solidFill>
+                  <a:srgbClr val="FF0000"/>
+                </a:solidFill>
+              </a:rPr>
+              <a:t>Yanlış:</a:t>
+            </a:r>
+          </a:p>
+        </p:txBody>
+      </p:sp>
+    </p:spTree>
+    <p:extLst>
+      <p:ext uri="{BB962C8B-B14F-4D97-AF65-F5344CB8AC3E}">
+        <p14:creationId xmlns:p14="http://schemas.microsoft.com/office/powerpoint/2010/main" val="4105664465"/>
+      </p:ext>
+    </p:extLst>
+  </p:cSld>
+  <p:clrMapOvr>
+    <a:masterClrMapping/>
+  </p:clrMapOvr>
+</p:sld>
+</file>
+
+<file path=ppt/slides/slide19.xml><?xml version="1.0" encoding="utf-8"?>
+<p:sld xmlns:a="http://schemas.openxmlformats.org/drawingml/2006/main" xmlns:r="http://schemas.openxmlformats.org/officeDocument/2006/relationships" xmlns:p="http://schemas.openxmlformats.org/presentationml/2006/main">
+  <p:cSld>
+    <p:bg>
+      <p:bgPr>
+        <a:solidFill>
+          <a:schemeClr val="bg1"/>
+        </a:solidFill>
+        <a:effectLst/>
+      </p:bgPr>
+    </p:bg>
+    <p:spTree>
+      <p:nvGrpSpPr>
+        <p:cNvPr id="1" name=""/>
+        <p:cNvGrpSpPr/>
+        <p:nvPr/>
+      </p:nvGrpSpPr>
+      <p:grpSpPr>
+        <a:xfrm>
+          <a:off x="0" y="0"/>
+          <a:ext cx="0" cy="0"/>
+          <a:chOff x="0" y="0"/>
+          <a:chExt cx="0" cy="0"/>
+        </a:xfrm>
+      </p:grpSpPr>
+      <p:sp>
+        <p:nvSpPr>
+          <p:cNvPr id="85" name="Rectangle 84">
+            <a:extLst>
+              <a:ext uri="{FF2B5EF4-FFF2-40B4-BE49-F238E27FC236}">
+                <a16:creationId xmlns:a16="http://schemas.microsoft.com/office/drawing/2014/main" id="{D5D3575F-6BD1-4889-A240-1A683CAAB673}"/>
+              </a:ext>
+              <a:ext uri="{C183D7F6-B498-43B3-948B-1728B52AA6E4}">
+                <adec:decorative xmlns:adec="http://schemas.microsoft.com/office/drawing/2017/decorative" val="1"/>
+              </a:ext>
+            </a:extLst>
+          </p:cNvPr>
+          <p:cNvSpPr>
+            <a:spLocks noGrp="1" noRot="1" noChangeAspect="1" noMove="1" noResize="1" noEditPoints="1" noAdjustHandles="1" noChangeArrowheads="1" noChangeShapeType="1" noTextEdit="1"/>
+          </p:cNvSpPr>
+          <p:nvPr>
+            <p:extLst>
+              <p:ext uri="{386F3935-93C4-4BCD-93E2-E3B085C9AB24}">
+                <p16:designElem xmlns:p16="http://schemas.microsoft.com/office/powerpoint/2015/main" val="1"/>
+              </p:ext>
+            </p:extLst>
+          </p:nvPr>
+        </p:nvSpPr>
+        <p:spPr>
+          <a:xfrm>
+            <a:off x="920834" y="1346946"/>
+            <a:ext cx="10222992" cy="80683"/>
+          </a:xfrm>
+          <a:prstGeom prst="rect">
+            <a:avLst/>
+          </a:prstGeom>
+          <a:blipFill dpi="0" rotWithShape="1">
+            <a:blip r:embed="rId2">
+              <a:alphaModFix amt="85000"/>
+              <a:lum bright="70000" contrast="-70000"/>
+              <a:extLst>
+                <a:ext uri="{BEBA8EAE-BF5A-486C-A8C5-ECC9F3942E4B}">
+                  <a14:imgProps xmlns:a14="http://schemas.microsoft.com/office/drawing/2010/main">
+                    <a14:imgLayer r:embed="rId3">
+                      <a14:imgEffect>
+                        <a14:sharpenSoften amount="61000"/>
+                      </a14:imgEffect>
+                    </a14:imgLayer>
+                  </a14:imgProps>
+                </a:ext>
+                <a:ext uri="{28A0092B-C50C-407E-A947-70E740481C1C}">
+                  <a14:useLocalDpi xmlns:a14="http://schemas.microsoft.com/office/drawing/2010/main" val="0"/>
+                </a:ext>
+              </a:extLst>
+            </a:blip>
+            <a:srcRect/>
+            <a:tile tx="0" ty="-762000" sx="92000" sy="89000" flip="xy" algn="ctr"/>
+          </a:blipFill>
+          <a:ln>
+            <a:noFill/>
+          </a:ln>
+        </p:spPr>
+        <p:style>
+          <a:lnRef idx="2">
+            <a:schemeClr val="accent1">
+              <a:shade val="50000"/>
+            </a:schemeClr>
+          </a:lnRef>
+          <a:fillRef idx="1">
+            <a:schemeClr val="accent1"/>
+          </a:fillRef>
+          <a:effectRef idx="0">
+            <a:schemeClr val="accent1"/>
+          </a:effectRef>
+          <a:fontRef idx="minor">
+            <a:schemeClr val="lt1"/>
+          </a:fontRef>
+        </p:style>
+        <p:txBody>
+          <a:bodyPr rtlCol="0" anchor="ctr"/>
+          <a:lstStyle/>
+          <a:p>
+            <a:pPr algn="ctr"/>
+            <a:endParaRPr lang="en-US"/>
+          </a:p>
+        </p:txBody>
+      </p:sp>
+      <p:sp>
+        <p:nvSpPr>
+          <p:cNvPr id="87" name="Rectangle 86">
+            <a:extLst>
+              <a:ext uri="{FF2B5EF4-FFF2-40B4-BE49-F238E27FC236}">
+                <a16:creationId xmlns:a16="http://schemas.microsoft.com/office/drawing/2014/main" id="{E037193D-F8C4-4234-A7D1-A24AD3ACB4E3}"/>
+              </a:ext>
+              <a:ext uri="{C183D7F6-B498-43B3-948B-1728B52AA6E4}">
+                <adec:decorative xmlns:adec="http://schemas.microsoft.com/office/drawing/2017/decorative" val="1"/>
+              </a:ext>
+            </a:extLst>
+          </p:cNvPr>
+          <p:cNvSpPr>
+            <a:spLocks noGrp="1" noRot="1" noChangeAspect="1" noMove="1" noResize="1" noEditPoints="1" noAdjustHandles="1" noChangeArrowheads="1" noChangeShapeType="1" noTextEdit="1"/>
+          </p:cNvSpPr>
+          <p:nvPr>
+            <p:extLst>
+              <p:ext uri="{386F3935-93C4-4BCD-93E2-E3B085C9AB24}">
+                <p16:designElem xmlns:p16="http://schemas.microsoft.com/office/powerpoint/2015/main" val="1"/>
+              </p:ext>
+            </p:extLst>
+          </p:nvPr>
+        </p:nvSpPr>
+        <p:spPr>
+          <a:xfrm>
+            <a:off x="920834" y="4299696"/>
+            <a:ext cx="10222992" cy="80683"/>
+          </a:xfrm>
+          <a:prstGeom prst="rect">
+            <a:avLst/>
+          </a:prstGeom>
+          <a:blipFill dpi="0" rotWithShape="1">
+            <a:blip r:embed="rId2">
+              <a:alphaModFix amt="85000"/>
+              <a:lum bright="70000" contrast="-70000"/>
+              <a:extLst>
+                <a:ext uri="{BEBA8EAE-BF5A-486C-A8C5-ECC9F3942E4B}">
+                  <a14:imgProps xmlns:a14="http://schemas.microsoft.com/office/drawing/2010/main">
+                    <a14:imgLayer r:embed="rId3">
+                      <a14:imgEffect>
+                        <a14:sharpenSoften amount="61000"/>
+                      </a14:imgEffect>
+                    </a14:imgLayer>
+                  </a14:imgProps>
+                </a:ext>
+                <a:ext uri="{28A0092B-C50C-407E-A947-70E740481C1C}">
+                  <a14:useLocalDpi xmlns:a14="http://schemas.microsoft.com/office/drawing/2010/main" val="0"/>
+                </a:ext>
+              </a:extLst>
+            </a:blip>
+            <a:srcRect/>
+            <a:tile tx="0" ty="-717550" sx="92000" sy="89000" flip="xy" algn="ctr"/>
+          </a:blipFill>
+          <a:ln>
+            <a:noFill/>
+          </a:ln>
+        </p:spPr>
+        <p:style>
+          <a:lnRef idx="2">
+            <a:schemeClr val="accent1">
+              <a:shade val="50000"/>
+            </a:schemeClr>
+          </a:lnRef>
+          <a:fillRef idx="1">
+            <a:schemeClr val="accent1"/>
+          </a:fillRef>
+          <a:effectRef idx="0">
+            <a:schemeClr val="accent1"/>
+          </a:effectRef>
+          <a:fontRef idx="minor">
+            <a:schemeClr val="lt1"/>
+          </a:fontRef>
+        </p:style>
+        <p:txBody>
+          <a:bodyPr rtlCol="0" anchor="ctr"/>
+          <a:lstStyle/>
+          <a:p>
+            <a:pPr algn="ctr"/>
+            <a:endParaRPr lang="en-US"/>
+          </a:p>
+        </p:txBody>
+      </p:sp>
+      <p:sp>
+        <p:nvSpPr>
+          <p:cNvPr id="89" name="Rectangle 88">
+            <a:extLst>
+              <a:ext uri="{FF2B5EF4-FFF2-40B4-BE49-F238E27FC236}">
+                <a16:creationId xmlns:a16="http://schemas.microsoft.com/office/drawing/2014/main" id="{F450CAB3-089A-49FB-8B72-B3ABD5A426B9}"/>
+              </a:ext>
+              <a:ext uri="{C183D7F6-B498-43B3-948B-1728B52AA6E4}">
+                <adec:decorative xmlns:adec="http://schemas.microsoft.com/office/drawing/2017/decorative" val="1"/>
+              </a:ext>
+            </a:extLst>
+          </p:cNvPr>
+          <p:cNvSpPr>
+            <a:spLocks noGrp="1" noRot="1" noChangeAspect="1" noMove="1" noResize="1" noEditPoints="1" noAdjustHandles="1" noChangeArrowheads="1" noChangeShapeType="1" noTextEdit="1"/>
+          </p:cNvSpPr>
+          <p:nvPr>
+            <p:extLst>
+              <p:ext uri="{386F3935-93C4-4BCD-93E2-E3B085C9AB24}">
+                <p16:designElem xmlns:p16="http://schemas.microsoft.com/office/powerpoint/2015/main" val="1"/>
+              </p:ext>
+            </p:extLst>
+          </p:nvPr>
+        </p:nvSpPr>
+        <p:spPr>
+          <a:xfrm>
+            <a:off x="920834" y="1484779"/>
+            <a:ext cx="10222992" cy="2743200"/>
+          </a:xfrm>
+          <a:prstGeom prst="rect">
+            <a:avLst/>
+          </a:prstGeom>
+          <a:blipFill dpi="0" rotWithShape="1">
+            <a:blip r:embed="rId2">
+              <a:alphaModFix amt="85000"/>
+              <a:lum bright="70000" contrast="-70000"/>
+              <a:extLst>
+                <a:ext uri="{BEBA8EAE-BF5A-486C-A8C5-ECC9F3942E4B}">
+                  <a14:imgProps xmlns:a14="http://schemas.microsoft.com/office/drawing/2010/main">
+                    <a14:imgLayer r:embed="rId3">
+                      <a14:imgEffect>
+                        <a14:sharpenSoften amount="61000"/>
+                      </a14:imgEffect>
+                    </a14:imgLayer>
+                  </a14:imgProps>
+                </a:ext>
+                <a:ext uri="{28A0092B-C50C-407E-A947-70E740481C1C}">
+                  <a14:useLocalDpi xmlns:a14="http://schemas.microsoft.com/office/drawing/2010/main" val="0"/>
+                </a:ext>
+              </a:extLst>
+            </a:blip>
+            <a:srcRect/>
+            <a:tile tx="0" ty="-704850" sx="92000" sy="89000" flip="xy" algn="ctr"/>
+          </a:blipFill>
+          <a:ln>
+            <a:noFill/>
+          </a:ln>
+        </p:spPr>
+        <p:style>
+          <a:lnRef idx="2">
+            <a:schemeClr val="accent1">
+              <a:shade val="50000"/>
+            </a:schemeClr>
+          </a:lnRef>
+          <a:fillRef idx="1">
+            <a:schemeClr val="accent1"/>
+          </a:fillRef>
+          <a:effectRef idx="0">
+            <a:schemeClr val="accent1"/>
+          </a:effectRef>
+          <a:fontRef idx="minor">
+            <a:schemeClr val="lt1"/>
+          </a:fontRef>
+        </p:style>
+        <p:txBody>
+          <a:bodyPr rtlCol="0" anchor="ctr"/>
+          <a:lstStyle/>
+          <a:p>
+            <a:pPr algn="ctr"/>
+            <a:endParaRPr lang="en-US"/>
+          </a:p>
+        </p:txBody>
+      </p:sp>
+      <p:grpSp>
+        <p:nvGrpSpPr>
+          <p:cNvPr id="91" name="Group 90">
+            <a:extLst>
+              <a:ext uri="{FF2B5EF4-FFF2-40B4-BE49-F238E27FC236}">
+                <a16:creationId xmlns:a16="http://schemas.microsoft.com/office/drawing/2014/main" id="{F510F87B-4C36-4922-9DFC-5373F6D686F3}"/>
+              </a:ext>
+              <a:ext uri="{C183D7F6-B498-43B3-948B-1728B52AA6E4}">
+                <adec:decorative xmlns:adec="http://schemas.microsoft.com/office/drawing/2017/decorative" val="1"/>
+              </a:ext>
+            </a:extLst>
+          </p:cNvPr>
+          <p:cNvGrpSpPr>
+            <a:grpSpLocks noGrp="1" noUngrp="1" noRot="1" noChangeAspect="1" noMove="1" noResize="1"/>
+          </p:cNvGrpSpPr>
+          <p:nvPr>
+            <p:extLst>
+              <p:ext uri="{386F3935-93C4-4BCD-93E2-E3B085C9AB24}">
+                <p16:designElem xmlns:p16="http://schemas.microsoft.com/office/powerpoint/2015/main" val="1"/>
+              </p:ext>
+            </p:extLst>
+          </p:nvPr>
+        </p:nvGrpSpPr>
+        <p:grpSpPr>
+          <a:xfrm>
+            <a:off x="9649215" y="4068923"/>
+            <a:ext cx="1080904" cy="1080902"/>
+            <a:chOff x="9685338" y="4460675"/>
+            <a:chExt cx="1080904" cy="1080902"/>
+          </a:xfrm>
+        </p:grpSpPr>
+        <p:sp>
+          <p:nvSpPr>
+            <p:cNvPr id="92" name="Oval 91">
+              <a:extLst>
+                <a:ext uri="{FF2B5EF4-FFF2-40B4-BE49-F238E27FC236}">
+                  <a16:creationId xmlns:a16="http://schemas.microsoft.com/office/drawing/2014/main" id="{2F4E2F9E-4DA4-4F83-9136-4D04AE769A41}"/>
+                </a:ext>
+                <a:ext uri="{C183D7F6-B498-43B3-948B-1728B52AA6E4}">
+                  <adec:decorative xmlns:adec="http://schemas.microsoft.com/office/drawing/2017/decorative" val="1"/>
+                </a:ext>
+              </a:extLst>
+            </p:cNvPr>
+            <p:cNvSpPr/>
+            <p:nvPr>
+              <p:extLst>
+                <p:ext uri="{386F3935-93C4-4BCD-93E2-E3B085C9AB24}">
+                  <p16:designElem xmlns:p16="http://schemas.microsoft.com/office/powerpoint/2015/main" val="1"/>
+                </p:ext>
+              </p:extLst>
+            </p:nvPr>
+          </p:nvSpPr>
+          <p:spPr>
+            <a:xfrm>
+              <a:off x="9685338" y="4460675"/>
+              <a:ext cx="1080904" cy="1080902"/>
+            </a:xfrm>
+            <a:prstGeom prst="ellipse">
+              <a:avLst/>
+            </a:prstGeom>
+            <a:blipFill dpi="0" rotWithShape="1">
+              <a:blip r:embed="rId4">
+                <a:duotone>
+                  <a:schemeClr val="accent1">
+                    <a:shade val="45000"/>
+                    <a:satMod val="135000"/>
+                  </a:schemeClr>
+                  <a:prstClr val="white"/>
+                </a:duotone>
+                <a:extLst>
+                  <a:ext uri="{BEBA8EAE-BF5A-486C-A8C5-ECC9F3942E4B}">
+                    <a14:imgProps xmlns:a14="http://schemas.microsoft.com/office/drawing/2010/main">
+                      <a14:imgLayer r:embed="rId5">
+                        <a14:imgEffect>
+                          <a14:saturation sat="95000"/>
+                        </a14:imgEffect>
+                      </a14:imgLayer>
+                    </a14:imgProps>
+                  </a:ext>
+                </a:extLst>
+              </a:blip>
+              <a:srcRect/>
+              <a:tile tx="0" ty="0" sx="85000" sy="85000" flip="none" algn="tl"/>
+            </a:blipFill>
+            <a:ln w="25400" cap="flat" cmpd="sng" algn="ctr">
+              <a:noFill/>
+              <a:prstDash val="solid"/>
+            </a:ln>
+            <a:effectLst/>
+          </p:spPr>
+          <p:txBody>
+            <a:bodyPr lIns="0" tIns="0" rIns="0" bIns="0" rtlCol="0" anchor="ctr"/>
+            <a:lstStyle/>
+            <a:p>
+              <a:pPr marL="0" marR="0" lvl="0" indent="0" algn="ctr" defTabSz="914400" eaLnBrk="1" fontAlgn="auto" latinLnBrk="0" hangingPunct="1">
+                <a:lnSpc>
+                  <a:spcPct val="100000"/>
+                </a:lnSpc>
+                <a:spcBef>
+                  <a:spcPts val="0"/>
+                </a:spcBef>
+                <a:spcAft>
+                  <a:spcPts val="0"/>
+                </a:spcAft>
+                <a:buClrTx/>
+                <a:buSzTx/>
+                <a:buFontTx/>
+                <a:buNone/>
+                <a:tabLst/>
+                <a:defRPr/>
+              </a:pPr>
+              <a:endParaRPr kumimoji="0" lang="en-US" sz="2000" b="0" i="0" u="none" strike="noStrike" kern="0" cap="none" spc="0" normalizeH="0" baseline="0" noProof="0" dirty="0">
+                <a:ln>
+                  <a:noFill/>
+                </a:ln>
+                <a:solidFill>
+                  <a:prstClr val="white"/>
+                </a:solidFill>
+                <a:effectLst/>
+                <a:uLnTx/>
+                <a:uFillTx/>
+                <a:latin typeface="Rockwell Extra Bold" pitchFamily="18" charset="0"/>
+                <a:ea typeface="+mn-ea"/>
+                <a:cs typeface="+mn-cs"/>
+              </a:endParaRPr>
+            </a:p>
+          </p:txBody>
+        </p:sp>
+        <p:sp>
+          <p:nvSpPr>
+            <p:cNvPr id="93" name="Oval 92">
+              <a:extLst>
+                <a:ext uri="{FF2B5EF4-FFF2-40B4-BE49-F238E27FC236}">
+                  <a16:creationId xmlns:a16="http://schemas.microsoft.com/office/drawing/2014/main" id="{61C5CFE5-AF0C-48ED-AB2C-40E0457437BE}"/>
+                </a:ext>
+                <a:ext uri="{C183D7F6-B498-43B3-948B-1728B52AA6E4}">
+                  <adec:decorative xmlns:adec="http://schemas.microsoft.com/office/drawing/2017/decorative" val="1"/>
+                </a:ext>
+              </a:extLst>
+            </p:cNvPr>
+            <p:cNvSpPr/>
+            <p:nvPr>
+              <p:extLst>
+                <p:ext uri="{386F3935-93C4-4BCD-93E2-E3B085C9AB24}">
+                  <p16:designElem xmlns:p16="http://schemas.microsoft.com/office/powerpoint/2015/main" val="1"/>
+                </p:ext>
+              </p:extLst>
+            </p:nvPr>
+          </p:nvSpPr>
+          <p:spPr>
+            <a:xfrm>
+              <a:off x="9793429" y="4568765"/>
+              <a:ext cx="864723" cy="864722"/>
+            </a:xfrm>
+            <a:prstGeom prst="ellipse">
+              <a:avLst/>
+            </a:prstGeom>
+            <a:noFill/>
+            <a:ln w="25400" cap="flat" cmpd="sng" algn="ctr">
+              <a:solidFill>
+                <a:sysClr val="window" lastClr="FFFFFF"/>
+              </a:solidFill>
+              <a:prstDash val="solid"/>
+            </a:ln>
+            <a:effectLst/>
+          </p:spPr>
+          <p:txBody>
+            <a:bodyPr rtlCol="0" anchor="ctr"/>
+            <a:lstStyle/>
+            <a:p>
+              <a:pPr marL="0" marR="0" lvl="0" indent="0" algn="ctr" defTabSz="914400" eaLnBrk="1" fontAlgn="auto" latinLnBrk="0" hangingPunct="1">
+                <a:lnSpc>
+                  <a:spcPct val="100000"/>
+                </a:lnSpc>
+                <a:spcBef>
+                  <a:spcPts val="0"/>
+                </a:spcBef>
+                <a:spcAft>
+                  <a:spcPts val="0"/>
+                </a:spcAft>
+                <a:buClrTx/>
+                <a:buSzTx/>
+                <a:buFontTx/>
+                <a:buNone/>
+                <a:tabLst/>
+                <a:defRPr/>
+              </a:pPr>
+              <a:endParaRPr kumimoji="0" lang="en-US" sz="1800" b="0" i="0" u="none" strike="noStrike" kern="0" cap="none" spc="0" normalizeH="0" baseline="0" noProof="0" dirty="0">
+                <a:ln>
+                  <a:noFill/>
+                </a:ln>
+                <a:solidFill>
+                  <a:prstClr val="white"/>
+                </a:solidFill>
+                <a:effectLst/>
+                <a:uLnTx/>
+                <a:uFillTx/>
+                <a:latin typeface="Calibri"/>
+                <a:ea typeface="+mn-ea"/>
+                <a:cs typeface="+mn-cs"/>
+              </a:endParaRPr>
+            </a:p>
+          </p:txBody>
+        </p:sp>
+      </p:grpSp>
+      <p:sp>
+        <p:nvSpPr>
+          <p:cNvPr id="95" name="Rectangle 94">
+            <a:extLst>
+              <a:ext uri="{FF2B5EF4-FFF2-40B4-BE49-F238E27FC236}">
+                <a16:creationId xmlns:a16="http://schemas.microsoft.com/office/drawing/2014/main" id="{420BC8A8-BDBA-4DB2-B514-0ED54DD866EF}"/>
+              </a:ext>
+              <a:ext uri="{C183D7F6-B498-43B3-948B-1728B52AA6E4}">
+                <adec:decorative xmlns:adec="http://schemas.microsoft.com/office/drawing/2017/decorative" val="1"/>
+              </a:ext>
+            </a:extLst>
+          </p:cNvPr>
+          <p:cNvSpPr>
+            <a:spLocks noGrp="1" noRot="1" noChangeAspect="1" noMove="1" noResize="1" noEditPoints="1" noAdjustHandles="1" noChangeArrowheads="1" noChangeShapeType="1" noTextEdit="1"/>
+          </p:cNvSpPr>
+          <p:nvPr>
+            <p:extLst>
+              <p:ext uri="{386F3935-93C4-4BCD-93E2-E3B085C9AB24}">
+                <p16:designElem xmlns:p16="http://schemas.microsoft.com/office/powerpoint/2015/main" val="1"/>
+              </p:ext>
+            </p:extLst>
+          </p:nvPr>
+        </p:nvSpPr>
+        <p:spPr bwMode="white">
+          <a:xfrm>
+            <a:off x="0" y="0"/>
+            <a:ext cx="12188952" cy="6858001"/>
+          </a:xfrm>
+          <a:prstGeom prst="rect">
+            <a:avLst/>
+          </a:prstGeom>
+          <a:solidFill>
+            <a:schemeClr val="bg1"/>
+          </a:solidFill>
+          <a:ln>
+            <a:noFill/>
+          </a:ln>
+        </p:spPr>
+        <p:style>
+          <a:lnRef idx="2">
+            <a:schemeClr val="accent1">
+              <a:shade val="50000"/>
+            </a:schemeClr>
+          </a:lnRef>
+          <a:fillRef idx="1">
+            <a:schemeClr val="accent1"/>
+          </a:fillRef>
+          <a:effectRef idx="0">
+            <a:schemeClr val="accent1"/>
+          </a:effectRef>
+          <a:fontRef idx="minor">
+            <a:schemeClr val="lt1"/>
+          </a:fontRef>
+        </p:style>
+        <p:txBody>
+          <a:bodyPr rot="0" spcFirstLastPara="0" vert="horz" wrap="square" lIns="91440" tIns="45720" rIns="91440" bIns="45720" numCol="1" spcCol="0" rtlCol="0" fromWordArt="0" anchor="ctr" anchorCtr="0" forceAA="0" compatLnSpc="1">
+            <a:prstTxWarp prst="textNoShape">
+              <a:avLst/>
+            </a:prstTxWarp>
+            <a:noAutofit/>
+          </a:bodyPr>
+          <a:lstStyle>
+            <a:defPPr>
+              <a:defRPr lang="en-US"/>
+            </a:defPPr>
+            <a:lvl1pPr marL="0" algn="l" defTabSz="914400" rtl="0" eaLnBrk="1" latinLnBrk="0" hangingPunct="1">
+              <a:defRPr sz="1800" kern="1200">
+                <a:solidFill>
+                  <a:schemeClr val="lt1"/>
+                </a:solidFill>
+                <a:latin typeface="+mn-lt"/>
+                <a:ea typeface="+mn-ea"/>
+                <a:cs typeface="+mn-cs"/>
+              </a:defRPr>
+            </a:lvl1pPr>
+            <a:lvl2pPr marL="457200" algn="l" defTabSz="914400" rtl="0" eaLnBrk="1" latinLnBrk="0" hangingPunct="1">
+              <a:defRPr sz="1800" kern="1200">
+                <a:solidFill>
+                  <a:schemeClr val="lt1"/>
+                </a:solidFill>
+                <a:latin typeface="+mn-lt"/>
+                <a:ea typeface="+mn-ea"/>
+                <a:cs typeface="+mn-cs"/>
+              </a:defRPr>
+            </a:lvl2pPr>
+            <a:lvl3pPr marL="914400" algn="l" defTabSz="914400" rtl="0" eaLnBrk="1" latinLnBrk="0" hangingPunct="1">
+              <a:defRPr sz="1800" kern="1200">
+                <a:solidFill>
+                  <a:schemeClr val="lt1"/>
+                </a:solidFill>
+                <a:latin typeface="+mn-lt"/>
+                <a:ea typeface="+mn-ea"/>
+                <a:cs typeface="+mn-cs"/>
+              </a:defRPr>
+            </a:lvl3pPr>
+            <a:lvl4pPr marL="1371600" algn="l" defTabSz="914400" rtl="0" eaLnBrk="1" latinLnBrk="0" hangingPunct="1">
+              <a:defRPr sz="1800" kern="1200">
+                <a:solidFill>
+                  <a:schemeClr val="lt1"/>
+                </a:solidFill>
+                <a:latin typeface="+mn-lt"/>
+                <a:ea typeface="+mn-ea"/>
+                <a:cs typeface="+mn-cs"/>
+              </a:defRPr>
+            </a:lvl4pPr>
+            <a:lvl5pPr marL="1828800" algn="l" defTabSz="914400" rtl="0" eaLnBrk="1" latinLnBrk="0" hangingPunct="1">
+              <a:defRPr sz="1800" kern="1200">
+                <a:solidFill>
+                  <a:schemeClr val="lt1"/>
+                </a:solidFill>
+                <a:latin typeface="+mn-lt"/>
+                <a:ea typeface="+mn-ea"/>
+                <a:cs typeface="+mn-cs"/>
+              </a:defRPr>
+            </a:lvl5pPr>
+            <a:lvl6pPr marL="2286000" algn="l" defTabSz="914400" rtl="0" eaLnBrk="1" latinLnBrk="0" hangingPunct="1">
+              <a:defRPr sz="1800" kern="1200">
+                <a:solidFill>
+                  <a:schemeClr val="lt1"/>
+                </a:solidFill>
+                <a:latin typeface="+mn-lt"/>
+                <a:ea typeface="+mn-ea"/>
+                <a:cs typeface="+mn-cs"/>
+              </a:defRPr>
+            </a:lvl6pPr>
+            <a:lvl7pPr marL="2743200" algn="l" defTabSz="914400" rtl="0" eaLnBrk="1" latinLnBrk="0" hangingPunct="1">
+              <a:defRPr sz="1800" kern="1200">
+                <a:solidFill>
+                  <a:schemeClr val="lt1"/>
+                </a:solidFill>
+                <a:latin typeface="+mn-lt"/>
+                <a:ea typeface="+mn-ea"/>
+                <a:cs typeface="+mn-cs"/>
+              </a:defRPr>
+            </a:lvl7pPr>
+            <a:lvl8pPr marL="3200400" algn="l" defTabSz="914400" rtl="0" eaLnBrk="1" latinLnBrk="0" hangingPunct="1">
+              <a:defRPr sz="1800" kern="1200">
+                <a:solidFill>
+                  <a:schemeClr val="lt1"/>
+                </a:solidFill>
+                <a:latin typeface="+mn-lt"/>
+                <a:ea typeface="+mn-ea"/>
+                <a:cs typeface="+mn-cs"/>
+              </a:defRPr>
+            </a:lvl8pPr>
+            <a:lvl9pPr marL="3657600" algn="l" defTabSz="914400" rtl="0" eaLnBrk="1" latinLnBrk="0" hangingPunct="1">
+              <a:defRPr sz="1800" kern="1200">
+                <a:solidFill>
+                  <a:schemeClr val="lt1"/>
+                </a:solidFill>
+                <a:latin typeface="+mn-lt"/>
+                <a:ea typeface="+mn-ea"/>
+                <a:cs typeface="+mn-cs"/>
+              </a:defRPr>
+            </a:lvl9pPr>
+          </a:lstStyle>
+          <a:p>
+            <a:pPr algn="ctr"/>
+            <a:endParaRPr lang="en-US"/>
+          </a:p>
+        </p:txBody>
+      </p:sp>
+      <p:sp>
+        <p:nvSpPr>
+          <p:cNvPr id="97" name="Rectangle 96">
+            <a:extLst>
+              <a:ext uri="{FF2B5EF4-FFF2-40B4-BE49-F238E27FC236}">
+                <a16:creationId xmlns:a16="http://schemas.microsoft.com/office/drawing/2014/main" id="{06A9FE45-0CC6-4C8D-9D48-B61A4E843D0A}"/>
+              </a:ext>
+              <a:ext uri="{C183D7F6-B498-43B3-948B-1728B52AA6E4}">
+                <adec:decorative xmlns:adec="http://schemas.microsoft.com/office/drawing/2017/decorative" val="1"/>
+              </a:ext>
+            </a:extLst>
+          </p:cNvPr>
+          <p:cNvSpPr>
+            <a:spLocks noGrp="1" noRot="1" noChangeAspect="1" noMove="1" noResize="1" noEditPoints="1" noAdjustHandles="1" noChangeArrowheads="1" noChangeShapeType="1" noTextEdit="1"/>
+          </p:cNvSpPr>
+          <p:nvPr>
+            <p:extLst>
+              <p:ext uri="{386F3935-93C4-4BCD-93E2-E3B085C9AB24}">
+                <p16:designElem xmlns:p16="http://schemas.microsoft.com/office/powerpoint/2015/main" val="1"/>
+              </p:ext>
+            </p:extLst>
+          </p:nvPr>
+        </p:nvSpPr>
+        <p:spPr>
+          <a:xfrm>
+            <a:off x="4658524" y="653241"/>
+            <a:ext cx="6903720" cy="80683"/>
+          </a:xfrm>
+          <a:prstGeom prst="rect">
+            <a:avLst/>
+          </a:prstGeom>
+          <a:blipFill dpi="0" rotWithShape="1">
+            <a:blip r:embed="rId2">
+              <a:alphaModFix amt="85000"/>
+              <a:lum bright="70000" contrast="-70000"/>
+              <a:extLst>
+                <a:ext uri="{BEBA8EAE-BF5A-486C-A8C5-ECC9F3942E4B}">
+                  <a14:imgProps xmlns:a14="http://schemas.microsoft.com/office/drawing/2010/main">
+                    <a14:imgLayer r:embed="rId3">
+                      <a14:imgEffect>
+                        <a14:sharpenSoften amount="61000"/>
+                      </a14:imgEffect>
+                    </a14:imgLayer>
+                  </a14:imgProps>
+                </a:ext>
+                <a:ext uri="{28A0092B-C50C-407E-A947-70E740481C1C}">
+                  <a14:useLocalDpi xmlns:a14="http://schemas.microsoft.com/office/drawing/2010/main" val="0"/>
+                </a:ext>
+              </a:extLst>
+            </a:blip>
+            <a:srcRect/>
+            <a:tile tx="0" ty="-762000" sx="92000" sy="89000" flip="xy" algn="ctr"/>
+          </a:blipFill>
+          <a:ln>
+            <a:noFill/>
+          </a:ln>
+        </p:spPr>
+        <p:style>
+          <a:lnRef idx="2">
+            <a:schemeClr val="accent1">
+              <a:shade val="50000"/>
+            </a:schemeClr>
+          </a:lnRef>
+          <a:fillRef idx="1">
+            <a:schemeClr val="accent1"/>
+          </a:fillRef>
+          <a:effectRef idx="0">
+            <a:schemeClr val="accent1"/>
+          </a:effectRef>
+          <a:fontRef idx="minor">
+            <a:schemeClr val="lt1"/>
+          </a:fontRef>
+        </p:style>
+        <p:txBody>
+          <a:bodyPr rtlCol="0" anchor="ctr"/>
+          <a:lstStyle/>
+          <a:p>
+            <a:pPr algn="ctr"/>
+            <a:endParaRPr lang="en-US"/>
+          </a:p>
+        </p:txBody>
+      </p:sp>
+      <p:sp>
+        <p:nvSpPr>
+          <p:cNvPr id="99" name="Rectangle 98">
+            <a:extLst>
+              <a:ext uri="{FF2B5EF4-FFF2-40B4-BE49-F238E27FC236}">
+                <a16:creationId xmlns:a16="http://schemas.microsoft.com/office/drawing/2014/main" id="{F4C686AE-DD57-4690-81EB-BC220FD75D4D}"/>
+              </a:ext>
+              <a:ext uri="{C183D7F6-B498-43B3-948B-1728B52AA6E4}">
+                <adec:decorative xmlns:adec="http://schemas.microsoft.com/office/drawing/2017/decorative" val="1"/>
+              </a:ext>
+            </a:extLst>
+          </p:cNvPr>
+          <p:cNvSpPr>
+            <a:spLocks noGrp="1" noRot="1" noChangeAspect="1" noMove="1" noResize="1" noEditPoints="1" noAdjustHandles="1" noChangeArrowheads="1" noChangeShapeType="1" noTextEdit="1"/>
+          </p:cNvSpPr>
+          <p:nvPr>
+            <p:extLst>
+              <p:ext uri="{386F3935-93C4-4BCD-93E2-E3B085C9AB24}">
+                <p16:designElem xmlns:p16="http://schemas.microsoft.com/office/powerpoint/2015/main" val="1"/>
+              </p:ext>
+            </p:extLst>
+          </p:nvPr>
+        </p:nvSpPr>
+        <p:spPr>
+          <a:xfrm>
+            <a:off x="4650069" y="822325"/>
+            <a:ext cx="6900328" cy="4846228"/>
+          </a:xfrm>
+          <a:prstGeom prst="rect">
+            <a:avLst/>
+          </a:prstGeom>
+          <a:blipFill dpi="0" rotWithShape="1">
+            <a:blip r:embed="rId2">
+              <a:alphaModFix amt="85000"/>
+              <a:lum bright="70000" contrast="-70000"/>
+              <a:extLst>
+                <a:ext uri="{BEBA8EAE-BF5A-486C-A8C5-ECC9F3942E4B}">
+                  <a14:imgProps xmlns:a14="http://schemas.microsoft.com/office/drawing/2010/main">
+                    <a14:imgLayer r:embed="rId3">
+                      <a14:imgEffect>
+                        <a14:sharpenSoften amount="61000"/>
+                      </a14:imgEffect>
+                    </a14:imgLayer>
+                  </a14:imgProps>
+                </a:ext>
+                <a:ext uri="{28A0092B-C50C-407E-A947-70E740481C1C}">
+                  <a14:useLocalDpi xmlns:a14="http://schemas.microsoft.com/office/drawing/2010/main" val="0"/>
+                </a:ext>
+              </a:extLst>
+            </a:blip>
+            <a:srcRect/>
+            <a:tile tx="0" ty="-704850" sx="92000" sy="89000" flip="xy" algn="ctr"/>
+          </a:blipFill>
+          <a:ln>
+            <a:noFill/>
+          </a:ln>
+        </p:spPr>
+        <p:style>
+          <a:lnRef idx="2">
+            <a:schemeClr val="accent1">
+              <a:shade val="50000"/>
+            </a:schemeClr>
+          </a:lnRef>
+          <a:fillRef idx="1">
+            <a:schemeClr val="accent1"/>
+          </a:fillRef>
+          <a:effectRef idx="0">
+            <a:schemeClr val="accent1"/>
+          </a:effectRef>
+          <a:fontRef idx="minor">
+            <a:schemeClr val="lt1"/>
+          </a:fontRef>
+        </p:style>
+        <p:txBody>
+          <a:bodyPr rtlCol="0" anchor="ctr"/>
+          <a:lstStyle/>
+          <a:p>
+            <a:pPr algn="ctr"/>
+            <a:endParaRPr lang="en-US"/>
+          </a:p>
+        </p:txBody>
+      </p:sp>
+      <p:sp>
+        <p:nvSpPr>
+          <p:cNvPr id="2" name="Başlık 1">
+            <a:extLst>
+              <a:ext uri="{FF2B5EF4-FFF2-40B4-BE49-F238E27FC236}">
+                <a16:creationId xmlns:a16="http://schemas.microsoft.com/office/drawing/2014/main" id="{57C13B92-F474-F783-2F7E-EEE9D369DEEA}"/>
+              </a:ext>
+            </a:extLst>
+          </p:cNvPr>
+          <p:cNvSpPr>
+            <a:spLocks noGrp="1"/>
+          </p:cNvSpPr>
+          <p:nvPr>
+            <p:ph type="title"/>
+          </p:nvPr>
+        </p:nvSpPr>
+        <p:spPr>
+          <a:xfrm>
+            <a:off x="4944532" y="1054100"/>
+            <a:ext cx="6383867" cy="3736099"/>
+          </a:xfrm>
+        </p:spPr>
+        <p:txBody>
+          <a:bodyPr vert="horz" lIns="91440" tIns="45720" rIns="91440" bIns="45720" rtlCol="0" anchor="ctr">
+            <a:normAutofit/>
+          </a:bodyPr>
+          <a:lstStyle/>
+          <a:p>
+            <a:pPr>
+              <a:lnSpc>
+                <a:spcPct val="80000"/>
+              </a:lnSpc>
+            </a:pPr>
+            <a:r>
+              <a:rPr lang="en-US" sz="8000" kern="1200" cap="all" baseline="0" dirty="0">
+                <a:blipFill dpi="0" rotWithShape="1">
+                  <a:blip r:embed="rId4"/>
+                  <a:srcRect/>
+                  <a:tile tx="6350" ty="-127000" sx="65000" sy="64000" flip="none" algn="tl"/>
+                </a:blipFill>
+                <a:latin typeface="+mj-lt"/>
+                <a:ea typeface="+mj-ea"/>
+                <a:cs typeface="+mj-cs"/>
+              </a:rPr>
+              <a:t>Ne yapmalıyız ?</a:t>
+            </a:r>
+          </a:p>
+        </p:txBody>
+      </p:sp>
+      <p:sp>
+        <p:nvSpPr>
+          <p:cNvPr id="101" name="Rectangle 100">
+            <a:extLst>
+              <a:ext uri="{FF2B5EF4-FFF2-40B4-BE49-F238E27FC236}">
+                <a16:creationId xmlns:a16="http://schemas.microsoft.com/office/drawing/2014/main" id="{786FBE91-D18E-4395-A796-7FD93274CE8C}"/>
+              </a:ext>
+              <a:ext uri="{C183D7F6-B498-43B3-948B-1728B52AA6E4}">
+                <adec:decorative xmlns:adec="http://schemas.microsoft.com/office/drawing/2017/decorative" val="1"/>
+              </a:ext>
+            </a:extLst>
+          </p:cNvPr>
+          <p:cNvSpPr>
+            <a:spLocks noGrp="1" noRot="1" noChangeAspect="1" noMove="1" noResize="1" noEditPoints="1" noAdjustHandles="1" noChangeArrowheads="1" noChangeShapeType="1" noTextEdit="1"/>
+          </p:cNvSpPr>
+          <p:nvPr>
+            <p:extLst>
+              <p:ext uri="{386F3935-93C4-4BCD-93E2-E3B085C9AB24}">
+                <p16:designElem xmlns:p16="http://schemas.microsoft.com/office/powerpoint/2015/main" val="1"/>
+              </p:ext>
+            </p:extLst>
+          </p:nvPr>
+        </p:nvSpPr>
+        <p:spPr>
+          <a:xfrm>
+            <a:off x="4658524" y="5754986"/>
+            <a:ext cx="6903720" cy="80683"/>
+          </a:xfrm>
+          <a:prstGeom prst="rect">
+            <a:avLst/>
+          </a:prstGeom>
+          <a:blipFill dpi="0" rotWithShape="1">
+            <a:blip r:embed="rId2">
+              <a:alphaModFix amt="85000"/>
+              <a:lum bright="70000" contrast="-70000"/>
+              <a:extLst>
+                <a:ext uri="{BEBA8EAE-BF5A-486C-A8C5-ECC9F3942E4B}">
+                  <a14:imgProps xmlns:a14="http://schemas.microsoft.com/office/drawing/2010/main">
+                    <a14:imgLayer r:embed="rId3">
+                      <a14:imgEffect>
+                        <a14:sharpenSoften amount="61000"/>
+                      </a14:imgEffect>
+                    </a14:imgLayer>
+                  </a14:imgProps>
+                </a:ext>
+                <a:ext uri="{28A0092B-C50C-407E-A947-70E740481C1C}">
+                  <a14:useLocalDpi xmlns:a14="http://schemas.microsoft.com/office/drawing/2010/main" val="0"/>
+                </a:ext>
+              </a:extLst>
+            </a:blip>
+            <a:srcRect/>
+            <a:tile tx="0" ty="-762000" sx="92000" sy="89000" flip="xy" algn="ctr"/>
+          </a:blipFill>
+          <a:ln>
+            <a:noFill/>
+          </a:ln>
+        </p:spPr>
+        <p:style>
+          <a:lnRef idx="2">
+            <a:schemeClr val="accent1">
+              <a:shade val="50000"/>
+            </a:schemeClr>
+          </a:lnRef>
+          <a:fillRef idx="1">
+            <a:schemeClr val="accent1"/>
+          </a:fillRef>
+          <a:effectRef idx="0">
+            <a:schemeClr val="accent1"/>
+          </a:effectRef>
+          <a:fontRef idx="minor">
+            <a:schemeClr val="lt1"/>
+          </a:fontRef>
+        </p:style>
+        <p:txBody>
+          <a:bodyPr rtlCol="0" anchor="ctr"/>
+          <a:lstStyle/>
+          <a:p>
+            <a:pPr algn="ctr"/>
+            <a:endParaRPr lang="en-US"/>
+          </a:p>
+        </p:txBody>
+      </p:sp>
+      <p:grpSp>
+        <p:nvGrpSpPr>
+          <p:cNvPr id="103" name="Group 102">
+            <a:extLst>
+              <a:ext uri="{FF2B5EF4-FFF2-40B4-BE49-F238E27FC236}">
+                <a16:creationId xmlns:a16="http://schemas.microsoft.com/office/drawing/2014/main" id="{F68B9994-7B13-4108-96FD-00A860CDC9B5}"/>
+              </a:ext>
+              <a:ext uri="{C183D7F6-B498-43B3-948B-1728B52AA6E4}">
+                <adec:decorative xmlns:adec="http://schemas.microsoft.com/office/drawing/2017/decorative" val="1"/>
+              </a:ext>
+            </a:extLst>
+          </p:cNvPr>
+          <p:cNvGrpSpPr>
+            <a:grpSpLocks noGrp="1" noUngrp="1" noRot="1" noChangeAspect="1" noMove="1" noResize="1"/>
+          </p:cNvGrpSpPr>
+          <p:nvPr>
+            <p:extLst>
+              <p:ext uri="{386F3935-93C4-4BCD-93E2-E3B085C9AB24}">
+                <p16:designElem xmlns:p16="http://schemas.microsoft.com/office/powerpoint/2015/main" val="1"/>
+              </p:ext>
+            </p:extLst>
+          </p:nvPr>
+        </p:nvGrpSpPr>
+        <p:grpSpPr>
+          <a:xfrm>
+            <a:off x="9646920" y="5257800"/>
+            <a:ext cx="1080904" cy="1080902"/>
+            <a:chOff x="9685338" y="4460675"/>
+            <a:chExt cx="1080904" cy="1080902"/>
+          </a:xfrm>
+        </p:grpSpPr>
+        <p:sp>
+          <p:nvSpPr>
+            <p:cNvPr id="104" name="Oval 103">
+              <a:extLst>
+                <a:ext uri="{FF2B5EF4-FFF2-40B4-BE49-F238E27FC236}">
+                  <a16:creationId xmlns:a16="http://schemas.microsoft.com/office/drawing/2014/main" id="{AAFE25CC-F510-493E-A5F2-8C121B4F9CFE}"/>
+                </a:ext>
+                <a:ext uri="{C183D7F6-B498-43B3-948B-1728B52AA6E4}">
+                  <adec:decorative xmlns:adec="http://schemas.microsoft.com/office/drawing/2017/decorative" val="1"/>
+                </a:ext>
+              </a:extLst>
+            </p:cNvPr>
+            <p:cNvSpPr/>
+            <p:nvPr>
+              <p:extLst>
+                <p:ext uri="{386F3935-93C4-4BCD-93E2-E3B085C9AB24}">
+                  <p16:designElem xmlns:p16="http://schemas.microsoft.com/office/powerpoint/2015/main" val="1"/>
+                </p:ext>
+              </p:extLst>
+            </p:nvPr>
+          </p:nvSpPr>
+          <p:spPr>
+            <a:xfrm>
+              <a:off x="9685338" y="4460675"/>
+              <a:ext cx="1080904" cy="1080902"/>
+            </a:xfrm>
+            <a:prstGeom prst="ellipse">
+              <a:avLst/>
+            </a:prstGeom>
+            <a:blipFill dpi="0" rotWithShape="1">
+              <a:blip r:embed="rId4">
+                <a:duotone>
+                  <a:schemeClr val="accent1">
+                    <a:shade val="45000"/>
+                    <a:satMod val="135000"/>
+                  </a:schemeClr>
+                  <a:prstClr val="white"/>
+                </a:duotone>
+              </a:blip>
+              <a:srcRect/>
+              <a:tile tx="0" ty="0" sx="85000" sy="85000" flip="none" algn="tl"/>
+            </a:blipFill>
+            <a:ln w="25400" cap="flat" cmpd="sng" algn="ctr">
+              <a:noFill/>
+              <a:prstDash val="solid"/>
+            </a:ln>
+            <a:effectLst/>
+          </p:spPr>
+          <p:txBody>
+            <a:bodyPr lIns="0" tIns="0" rIns="0" bIns="0" rtlCol="0" anchor="ctr"/>
+            <a:lstStyle/>
+            <a:p>
+              <a:pPr marL="0" marR="0" lvl="0" indent="0" algn="ctr" defTabSz="914400" eaLnBrk="1" fontAlgn="auto" latinLnBrk="0" hangingPunct="1">
+                <a:lnSpc>
+                  <a:spcPct val="100000"/>
+                </a:lnSpc>
+                <a:spcBef>
+                  <a:spcPts val="0"/>
+                </a:spcBef>
+                <a:spcAft>
+                  <a:spcPts val="0"/>
+                </a:spcAft>
+                <a:buClrTx/>
+                <a:buSzTx/>
+                <a:buFontTx/>
+                <a:buNone/>
+                <a:tabLst/>
+                <a:defRPr/>
+              </a:pPr>
+              <a:endParaRPr kumimoji="0" lang="en-US" sz="2000" b="0" i="0" u="none" strike="noStrike" kern="0" cap="none" spc="0" normalizeH="0" baseline="0" noProof="0" dirty="0">
+                <a:ln>
+                  <a:noFill/>
+                </a:ln>
+                <a:solidFill>
+                  <a:prstClr val="white"/>
+                </a:solidFill>
+                <a:effectLst/>
+                <a:uLnTx/>
+                <a:uFillTx/>
+                <a:latin typeface="Rockwell Extra Bold" pitchFamily="18" charset="0"/>
+                <a:ea typeface="+mn-ea"/>
+                <a:cs typeface="+mn-cs"/>
+              </a:endParaRPr>
+            </a:p>
+          </p:txBody>
+        </p:sp>
+        <p:sp>
+          <p:nvSpPr>
+            <p:cNvPr id="105" name="Oval 104">
+              <a:extLst>
+                <a:ext uri="{FF2B5EF4-FFF2-40B4-BE49-F238E27FC236}">
+                  <a16:creationId xmlns:a16="http://schemas.microsoft.com/office/drawing/2014/main" id="{05D4E154-9623-4F49-9FB1-EE2635B4581D}"/>
+                </a:ext>
+                <a:ext uri="{C183D7F6-B498-43B3-948B-1728B52AA6E4}">
+                  <adec:decorative xmlns:adec="http://schemas.microsoft.com/office/drawing/2017/decorative" val="1"/>
+                </a:ext>
+              </a:extLst>
+            </p:cNvPr>
+            <p:cNvSpPr/>
+            <p:nvPr>
+              <p:extLst>
+                <p:ext uri="{386F3935-93C4-4BCD-93E2-E3B085C9AB24}">
+                  <p16:designElem xmlns:p16="http://schemas.microsoft.com/office/powerpoint/2015/main" val="1"/>
+                </p:ext>
+              </p:extLst>
+            </p:nvPr>
+          </p:nvSpPr>
+          <p:spPr>
+            <a:xfrm>
+              <a:off x="9793429" y="4568765"/>
+              <a:ext cx="864723" cy="864722"/>
+            </a:xfrm>
+            <a:prstGeom prst="ellipse">
+              <a:avLst/>
+            </a:prstGeom>
+            <a:noFill/>
+            <a:ln w="25400" cap="flat" cmpd="sng" algn="ctr">
+              <a:solidFill>
+                <a:sysClr val="window" lastClr="FFFFFF"/>
+              </a:solidFill>
+              <a:prstDash val="solid"/>
+            </a:ln>
+            <a:effectLst/>
+          </p:spPr>
+          <p:txBody>
+            <a:bodyPr rtlCol="0" anchor="ctr"/>
+            <a:lstStyle/>
+            <a:p>
+              <a:pPr marL="0" marR="0" lvl="0" indent="0" algn="ctr" defTabSz="914400" eaLnBrk="1" fontAlgn="auto" latinLnBrk="0" hangingPunct="1">
+                <a:lnSpc>
+                  <a:spcPct val="100000"/>
+                </a:lnSpc>
+                <a:spcBef>
+                  <a:spcPts val="0"/>
+                </a:spcBef>
+                <a:spcAft>
+                  <a:spcPts val="0"/>
+                </a:spcAft>
+                <a:buClrTx/>
+                <a:buSzTx/>
+                <a:buFontTx/>
+                <a:buNone/>
+                <a:tabLst/>
+                <a:defRPr/>
+              </a:pPr>
+              <a:endParaRPr kumimoji="0" lang="en-US" sz="1800" b="0" i="0" u="none" strike="noStrike" kern="0" cap="none" spc="0" normalizeH="0" baseline="0" noProof="0" dirty="0">
+                <a:ln>
+                  <a:noFill/>
+                </a:ln>
+                <a:solidFill>
+                  <a:prstClr val="white"/>
+                </a:solidFill>
+                <a:effectLst/>
+                <a:uLnTx/>
+                <a:uFillTx/>
+                <a:latin typeface="Calibri"/>
+                <a:ea typeface="+mn-ea"/>
+                <a:cs typeface="+mn-cs"/>
+              </a:endParaRPr>
+            </a:p>
+          </p:txBody>
+        </p:sp>
+      </p:grpSp>
+      <p:pic>
+        <p:nvPicPr>
+          <p:cNvPr id="11" name="Resim 10">
+            <a:extLst>
+              <a:ext uri="{FF2B5EF4-FFF2-40B4-BE49-F238E27FC236}">
+                <a16:creationId xmlns:a16="http://schemas.microsoft.com/office/drawing/2014/main" id="{CA34897B-E457-3C8B-6420-B12C8315920D}"/>
+              </a:ext>
+            </a:extLst>
+          </p:cNvPr>
+          <p:cNvPicPr>
+            <a:picLocks noChangeAspect="1"/>
+          </p:cNvPicPr>
+          <p:nvPr/>
+        </p:nvPicPr>
+        <p:blipFill>
+          <a:blip r:embed="rId6"/>
+          <a:stretch>
+            <a:fillRect/>
+          </a:stretch>
+        </p:blipFill>
+        <p:spPr>
+          <a:xfrm>
+            <a:off x="736261" y="887689"/>
+            <a:ext cx="3051508" cy="918514"/>
+          </a:xfrm>
+          <a:prstGeom prst="rect">
+            <a:avLst/>
+          </a:prstGeom>
+        </p:spPr>
+      </p:pic>
+      <p:pic>
+        <p:nvPicPr>
+          <p:cNvPr id="13" name="Resim 12">
+            <a:extLst>
+              <a:ext uri="{FF2B5EF4-FFF2-40B4-BE49-F238E27FC236}">
+                <a16:creationId xmlns:a16="http://schemas.microsoft.com/office/drawing/2014/main" id="{E8663857-DE00-FB68-66B1-F1031AE7A74D}"/>
+              </a:ext>
+            </a:extLst>
+          </p:cNvPr>
+          <p:cNvPicPr>
+            <a:picLocks noChangeAspect="1"/>
+          </p:cNvPicPr>
+          <p:nvPr/>
+        </p:nvPicPr>
+        <p:blipFill>
+          <a:blip r:embed="rId7"/>
+          <a:stretch>
+            <a:fillRect/>
+          </a:stretch>
+        </p:blipFill>
+        <p:spPr>
+          <a:xfrm>
+            <a:off x="735475" y="2064340"/>
+            <a:ext cx="3327962" cy="1903978"/>
+          </a:xfrm>
+          <a:prstGeom prst="rect">
+            <a:avLst/>
+          </a:prstGeom>
+        </p:spPr>
+      </p:pic>
+      <p:pic>
+        <p:nvPicPr>
+          <p:cNvPr id="17" name="Resim 16">
+            <a:extLst>
+              <a:ext uri="{FF2B5EF4-FFF2-40B4-BE49-F238E27FC236}">
+                <a16:creationId xmlns:a16="http://schemas.microsoft.com/office/drawing/2014/main" id="{1FEAC340-D875-85BB-A7D9-50FF87CAE257}"/>
+              </a:ext>
+            </a:extLst>
+          </p:cNvPr>
+          <p:cNvPicPr>
+            <a:picLocks noChangeAspect="1"/>
+          </p:cNvPicPr>
+          <p:nvPr/>
+        </p:nvPicPr>
+        <p:blipFill>
+          <a:blip r:embed="rId8"/>
+          <a:stretch>
+            <a:fillRect/>
+          </a:stretch>
+        </p:blipFill>
+        <p:spPr>
+          <a:xfrm>
+            <a:off x="735475" y="4222225"/>
+            <a:ext cx="2837057" cy="1748086"/>
+          </a:xfrm>
+          <a:prstGeom prst="rect">
+            <a:avLst/>
+          </a:prstGeom>
+        </p:spPr>
+      </p:pic>
+      <p:pic>
+        <p:nvPicPr>
+          <p:cNvPr id="23" name="Resim 22">
+            <a:extLst>
+              <a:ext uri="{FF2B5EF4-FFF2-40B4-BE49-F238E27FC236}">
+                <a16:creationId xmlns:a16="http://schemas.microsoft.com/office/drawing/2014/main" id="{172D4648-5DB1-6BC3-FD7F-EDD7A2552996}"/>
+              </a:ext>
+            </a:extLst>
+          </p:cNvPr>
+          <p:cNvPicPr>
+            <a:picLocks noChangeAspect="1"/>
+          </p:cNvPicPr>
+          <p:nvPr/>
+        </p:nvPicPr>
+        <p:blipFill>
+          <a:blip r:embed="rId9"/>
+          <a:stretch>
+            <a:fillRect/>
+          </a:stretch>
+        </p:blipFill>
+        <p:spPr>
+          <a:xfrm>
+            <a:off x="4650069" y="4137854"/>
+            <a:ext cx="3798288" cy="2223204"/>
+          </a:xfrm>
+          <a:prstGeom prst="rect">
+            <a:avLst/>
+          </a:prstGeom>
+        </p:spPr>
+      </p:pic>
+    </p:spTree>
+    <p:extLst>
+      <p:ext uri="{BB962C8B-B14F-4D97-AF65-F5344CB8AC3E}">
+        <p14:creationId xmlns:p14="http://schemas.microsoft.com/office/powerpoint/2010/main" val="3551723979"/>
       </p:ext>
     </p:extLst>
   </p:cSld>
